--- a/image_ppt/image_template.pptx
+++ b/image_ppt/image_template.pptx
@@ -104,6 +104,11 @@
       </a:defRPr>
     </a:lvl9pPr>
   </p:defaultTextStyle>
+  <p:extLst>
+    <p:ext uri="{EFAFB233-063F-42B5-8137-9DF3F51BA10A}">
+      <p15:sldGuideLst xmlns:p15="http://schemas.microsoft.com/office/powerpoint/2012/main"/>
+    </p:ext>
+  </p:extLst>
 </p:presentation>
 </file>
 
@@ -254,7 +259,7 @@
           <a:p>
             <a:fld id="{EC1E2F97-695C-4CF7-A569-3E65C8B91F50}" type="datetimeFigureOut">
               <a:rPr lang="en-US" smtClean="0"/>
-              <a:t>6/2/2023</a:t>
+              <a:t>6/3/2023</a:t>
             </a:fld>
             <a:endParaRPr lang="en-US"/>
           </a:p>
@@ -452,7 +457,7 @@
           <a:p>
             <a:fld id="{EC1E2F97-695C-4CF7-A569-3E65C8B91F50}" type="datetimeFigureOut">
               <a:rPr lang="en-US" smtClean="0"/>
-              <a:t>6/2/2023</a:t>
+              <a:t>6/3/2023</a:t>
             </a:fld>
             <a:endParaRPr lang="en-US"/>
           </a:p>
@@ -660,7 +665,7 @@
           <a:p>
             <a:fld id="{EC1E2F97-695C-4CF7-A569-3E65C8B91F50}" type="datetimeFigureOut">
               <a:rPr lang="en-US" smtClean="0"/>
-              <a:t>6/2/2023</a:t>
+              <a:t>6/3/2023</a:t>
             </a:fld>
             <a:endParaRPr lang="en-US"/>
           </a:p>
@@ -858,7 +863,7 @@
           <a:p>
             <a:fld id="{EC1E2F97-695C-4CF7-A569-3E65C8B91F50}" type="datetimeFigureOut">
               <a:rPr lang="en-US" smtClean="0"/>
-              <a:t>6/2/2023</a:t>
+              <a:t>6/3/2023</a:t>
             </a:fld>
             <a:endParaRPr lang="en-US"/>
           </a:p>
@@ -1133,7 +1138,7 @@
           <a:p>
             <a:fld id="{EC1E2F97-695C-4CF7-A569-3E65C8B91F50}" type="datetimeFigureOut">
               <a:rPr lang="en-US" smtClean="0"/>
-              <a:t>6/2/2023</a:t>
+              <a:t>6/3/2023</a:t>
             </a:fld>
             <a:endParaRPr lang="en-US"/>
           </a:p>
@@ -1398,7 +1403,7 @@
           <a:p>
             <a:fld id="{EC1E2F97-695C-4CF7-A569-3E65C8B91F50}" type="datetimeFigureOut">
               <a:rPr lang="en-US" smtClean="0"/>
-              <a:t>6/2/2023</a:t>
+              <a:t>6/3/2023</a:t>
             </a:fld>
             <a:endParaRPr lang="en-US"/>
           </a:p>
@@ -1810,7 +1815,7 @@
           <a:p>
             <a:fld id="{EC1E2F97-695C-4CF7-A569-3E65C8B91F50}" type="datetimeFigureOut">
               <a:rPr lang="en-US" smtClean="0"/>
-              <a:t>6/2/2023</a:t>
+              <a:t>6/3/2023</a:t>
             </a:fld>
             <a:endParaRPr lang="en-US"/>
           </a:p>
@@ -1951,7 +1956,7 @@
           <a:p>
             <a:fld id="{EC1E2F97-695C-4CF7-A569-3E65C8B91F50}" type="datetimeFigureOut">
               <a:rPr lang="en-US" smtClean="0"/>
-              <a:t>6/2/2023</a:t>
+              <a:t>6/3/2023</a:t>
             </a:fld>
             <a:endParaRPr lang="en-US"/>
           </a:p>
@@ -2064,7 +2069,7 @@
           <a:p>
             <a:fld id="{EC1E2F97-695C-4CF7-A569-3E65C8B91F50}" type="datetimeFigureOut">
               <a:rPr lang="en-US" smtClean="0"/>
-              <a:t>6/2/2023</a:t>
+              <a:t>6/3/2023</a:t>
             </a:fld>
             <a:endParaRPr lang="en-US"/>
           </a:p>
@@ -2375,7 +2380,7 @@
           <a:p>
             <a:fld id="{EC1E2F97-695C-4CF7-A569-3E65C8B91F50}" type="datetimeFigureOut">
               <a:rPr lang="en-US" smtClean="0"/>
-              <a:t>6/2/2023</a:t>
+              <a:t>6/3/2023</a:t>
             </a:fld>
             <a:endParaRPr lang="en-US"/>
           </a:p>
@@ -2663,7 +2668,7 @@
           <a:p>
             <a:fld id="{EC1E2F97-695C-4CF7-A569-3E65C8B91F50}" type="datetimeFigureOut">
               <a:rPr lang="en-US" smtClean="0"/>
-              <a:t>6/2/2023</a:t>
+              <a:t>6/3/2023</a:t>
             </a:fld>
             <a:endParaRPr lang="en-US"/>
           </a:p>
@@ -2904,7 +2909,7 @@
           <a:p>
             <a:fld id="{EC1E2F97-695C-4CF7-A569-3E65C8B91F50}" type="datetimeFigureOut">
               <a:rPr lang="en-US" smtClean="0"/>
-              <a:t>6/2/2023</a:t>
+              <a:t>6/3/2023</a:t>
             </a:fld>
             <a:endParaRPr lang="en-US"/>
           </a:p>
@@ -4510,6 +4515,11 @@
             <a:solidFill>
               <a:schemeClr val="tx1"/>
             </a:solidFill>
+            <a:ln>
+              <a:solidFill>
+                <a:schemeClr val="tx1"/>
+              </a:solidFill>
+            </a:ln>
           </p:spPr>
           <p:style>
             <a:lnRef idx="2">
@@ -4559,6 +4569,11 @@
             <a:solidFill>
               <a:schemeClr val="bg1"/>
             </a:solidFill>
+            <a:ln>
+              <a:solidFill>
+                <a:schemeClr val="tx1"/>
+              </a:solidFill>
+            </a:ln>
           </p:spPr>
           <p:style>
             <a:lnRef idx="2">
@@ -4629,6 +4644,11 @@
             <a:solidFill>
               <a:schemeClr val="tx1"/>
             </a:solidFill>
+            <a:ln>
+              <a:solidFill>
+                <a:schemeClr val="tx1"/>
+              </a:solidFill>
+            </a:ln>
           </p:spPr>
           <p:style>
             <a:lnRef idx="2">
@@ -4678,6 +4698,11 @@
             <a:solidFill>
               <a:schemeClr val="bg1"/>
             </a:solidFill>
+            <a:ln>
+              <a:solidFill>
+                <a:schemeClr val="tx1"/>
+              </a:solidFill>
+            </a:ln>
           </p:spPr>
           <p:style>
             <a:lnRef idx="2">

--- a/image_ppt/image_template.pptx
+++ b/image_ppt/image_template.pptx
@@ -4474,10 +4474,10 @@
       </p:grpSp>
       <p:grpSp>
         <p:nvGrpSpPr>
-          <p:cNvPr id="37" name="Group 36">
-            <a:extLst>
-              <a:ext uri="{FF2B5EF4-FFF2-40B4-BE49-F238E27FC236}">
-                <a16:creationId xmlns:a16="http://schemas.microsoft.com/office/drawing/2014/main" id="{1BA8D2CA-4D96-4ADE-C71B-D21F3E44C2B8}"/>
+          <p:cNvPr id="3" name="Group 2">
+            <a:extLst>
+              <a:ext uri="{FF2B5EF4-FFF2-40B4-BE49-F238E27FC236}">
+                <a16:creationId xmlns:a16="http://schemas.microsoft.com/office/drawing/2014/main" id="{1BBB8D1A-2829-C6FF-587C-41C1FAAC7D15}"/>
               </a:ext>
             </a:extLst>
           </p:cNvPr>
@@ -4486,18 +4486,18 @@
         </p:nvGrpSpPr>
         <p:grpSpPr>
           <a:xfrm>
-            <a:off x="5695958" y="3677478"/>
-            <a:ext cx="2344269" cy="2378766"/>
-            <a:chOff x="5695958" y="3677478"/>
-            <a:chExt cx="2344269" cy="2378766"/>
+            <a:off x="5508110" y="3982278"/>
+            <a:ext cx="2615474" cy="2590800"/>
+            <a:chOff x="5508109" y="3839304"/>
+            <a:chExt cx="2716719" cy="2733774"/>
           </a:xfrm>
         </p:grpSpPr>
         <p:sp>
           <p:nvSpPr>
-            <p:cNvPr id="35" name="Rectangle 34">
+            <p:cNvPr id="2" name="Rectangle 1">
               <a:extLst>
                 <a:ext uri="{FF2B5EF4-FFF2-40B4-BE49-F238E27FC236}">
-                  <a16:creationId xmlns:a16="http://schemas.microsoft.com/office/drawing/2014/main" id="{6518A275-8483-2CFB-6D8E-4B8AC5DA3850}"/>
+                  <a16:creationId xmlns:a16="http://schemas.microsoft.com/office/drawing/2014/main" id="{9D50DA68-763F-3553-1F31-A5BD4B268E19}"/>
                 </a:ext>
               </a:extLst>
             </p:cNvPr>
@@ -4506,18 +4506,18 @@
           </p:nvSpPr>
           <p:spPr>
             <a:xfrm>
-              <a:off x="5695958" y="3677478"/>
-              <a:ext cx="2344269" cy="2378766"/>
+              <a:off x="5508109" y="3839304"/>
+              <a:ext cx="2716719" cy="2733774"/>
             </a:xfrm>
             <a:prstGeom prst="rect">
               <a:avLst/>
             </a:prstGeom>
             <a:solidFill>
-              <a:schemeClr val="tx1"/>
+              <a:schemeClr val="bg1"/>
             </a:solidFill>
             <a:ln>
               <a:solidFill>
-                <a:schemeClr val="tx1"/>
+                <a:schemeClr val="bg1"/>
               </a:solidFill>
             </a:ln>
           </p:spPr>
@@ -4546,60 +4546,135 @@
             </a:p>
           </p:txBody>
         </p:sp>
-        <p:sp>
-          <p:nvSpPr>
-            <p:cNvPr id="36" name="Rectangle 35">
+        <p:grpSp>
+          <p:nvGrpSpPr>
+            <p:cNvPr id="37" name="Group 36">
               <a:extLst>
                 <a:ext uri="{FF2B5EF4-FFF2-40B4-BE49-F238E27FC236}">
-                  <a16:creationId xmlns:a16="http://schemas.microsoft.com/office/drawing/2014/main" id="{99CDDE86-0863-D932-C52A-EBEF201DB2EB}"/>
+                  <a16:creationId xmlns:a16="http://schemas.microsoft.com/office/drawing/2014/main" id="{1BA8D2CA-4D96-4ADE-C71B-D21F3E44C2B8}"/>
                 </a:ext>
               </a:extLst>
             </p:cNvPr>
-            <p:cNvSpPr/>
+            <p:cNvGrpSpPr/>
             <p:nvPr/>
-          </p:nvSpPr>
-          <p:spPr>
+          </p:nvGrpSpPr>
+          <p:grpSpPr>
             <a:xfrm>
-              <a:off x="5937128" y="3939206"/>
-              <a:ext cx="1855304" cy="1861930"/>
+              <a:off x="5681405" y="4012703"/>
+              <a:ext cx="2344269" cy="2378766"/>
+              <a:chOff x="5695958" y="3677478"/>
+              <a:chExt cx="2344269" cy="2378766"/>
             </a:xfrm>
-            <a:prstGeom prst="rect">
-              <a:avLst/>
-            </a:prstGeom>
-            <a:solidFill>
-              <a:schemeClr val="bg1"/>
-            </a:solidFill>
-            <a:ln>
+          </p:grpSpPr>
+          <p:sp>
+            <p:nvSpPr>
+              <p:cNvPr id="35" name="Rectangle 34">
+                <a:extLst>
+                  <a:ext uri="{FF2B5EF4-FFF2-40B4-BE49-F238E27FC236}">
+                    <a16:creationId xmlns:a16="http://schemas.microsoft.com/office/drawing/2014/main" id="{6518A275-8483-2CFB-6D8E-4B8AC5DA3850}"/>
+                  </a:ext>
+                </a:extLst>
+              </p:cNvPr>
+              <p:cNvSpPr/>
+              <p:nvPr/>
+            </p:nvSpPr>
+            <p:spPr>
+              <a:xfrm>
+                <a:off x="5695958" y="3677478"/>
+                <a:ext cx="2344269" cy="2378766"/>
+              </a:xfrm>
+              <a:prstGeom prst="rect">
+                <a:avLst/>
+              </a:prstGeom>
               <a:solidFill>
                 <a:schemeClr val="tx1"/>
               </a:solidFill>
-            </a:ln>
-          </p:spPr>
-          <p:style>
-            <a:lnRef idx="2">
-              <a:schemeClr val="accent1">
-                <a:shade val="50000"/>
-              </a:schemeClr>
-            </a:lnRef>
-            <a:fillRef idx="1">
-              <a:schemeClr val="accent1"/>
-            </a:fillRef>
-            <a:effectRef idx="0">
-              <a:schemeClr val="accent1"/>
-            </a:effectRef>
-            <a:fontRef idx="minor">
-              <a:schemeClr val="lt1"/>
-            </a:fontRef>
-          </p:style>
-          <p:txBody>
-            <a:bodyPr rtlCol="0" anchor="ctr"/>
-            <a:lstStyle/>
-            <a:p>
-              <a:pPr algn="ctr"/>
-              <a:endParaRPr lang="en-US"/>
-            </a:p>
-          </p:txBody>
-        </p:sp>
+              <a:ln>
+                <a:solidFill>
+                  <a:schemeClr val="tx1"/>
+                </a:solidFill>
+              </a:ln>
+            </p:spPr>
+            <p:style>
+              <a:lnRef idx="2">
+                <a:schemeClr val="accent1">
+                  <a:shade val="50000"/>
+                </a:schemeClr>
+              </a:lnRef>
+              <a:fillRef idx="1">
+                <a:schemeClr val="accent1"/>
+              </a:fillRef>
+              <a:effectRef idx="0">
+                <a:schemeClr val="accent1"/>
+              </a:effectRef>
+              <a:fontRef idx="minor">
+                <a:schemeClr val="lt1"/>
+              </a:fontRef>
+            </p:style>
+            <p:txBody>
+              <a:bodyPr rtlCol="0" anchor="ctr"/>
+              <a:lstStyle/>
+              <a:p>
+                <a:pPr algn="ctr"/>
+                <a:endParaRPr lang="en-US"/>
+              </a:p>
+            </p:txBody>
+          </p:sp>
+          <p:sp>
+            <p:nvSpPr>
+              <p:cNvPr id="36" name="Rectangle 35">
+                <a:extLst>
+                  <a:ext uri="{FF2B5EF4-FFF2-40B4-BE49-F238E27FC236}">
+                    <a16:creationId xmlns:a16="http://schemas.microsoft.com/office/drawing/2014/main" id="{99CDDE86-0863-D932-C52A-EBEF201DB2EB}"/>
+                  </a:ext>
+                </a:extLst>
+              </p:cNvPr>
+              <p:cNvSpPr/>
+              <p:nvPr/>
+            </p:nvSpPr>
+            <p:spPr>
+              <a:xfrm>
+                <a:off x="5937128" y="3939206"/>
+                <a:ext cx="1855304" cy="1861930"/>
+              </a:xfrm>
+              <a:prstGeom prst="rect">
+                <a:avLst/>
+              </a:prstGeom>
+              <a:solidFill>
+                <a:schemeClr val="bg1"/>
+              </a:solidFill>
+              <a:ln>
+                <a:solidFill>
+                  <a:schemeClr val="tx1"/>
+                </a:solidFill>
+              </a:ln>
+            </p:spPr>
+            <p:style>
+              <a:lnRef idx="2">
+                <a:schemeClr val="accent1">
+                  <a:shade val="50000"/>
+                </a:schemeClr>
+              </a:lnRef>
+              <a:fillRef idx="1">
+                <a:schemeClr val="accent1"/>
+              </a:fillRef>
+              <a:effectRef idx="0">
+                <a:schemeClr val="accent1"/>
+              </a:effectRef>
+              <a:fontRef idx="minor">
+                <a:schemeClr val="lt1"/>
+              </a:fontRef>
+            </p:style>
+            <p:txBody>
+              <a:bodyPr rtlCol="0" anchor="ctr"/>
+              <a:lstStyle/>
+              <a:p>
+                <a:pPr algn="ctr"/>
+                <a:endParaRPr lang="en-US"/>
+              </a:p>
+            </p:txBody>
+          </p:sp>
+        </p:grpSp>
       </p:grpSp>
       <p:grpSp>
         <p:nvGrpSpPr>

--- a/image_ppt/image_template.pptx
+++ b/image_ppt/image_template.pptx
@@ -6,6 +6,7 @@
   </p:sldMasterIdLst>
   <p:sldIdLst>
     <p:sldId id="256" r:id="rId2"/>
+    <p:sldId id="257" r:id="rId3"/>
   </p:sldIdLst>
   <p:sldSz cx="12192000" cy="6858000"/>
   <p:notesSz cx="6858000" cy="9144000"/>
@@ -259,7 +260,7 @@
           <a:p>
             <a:fld id="{EC1E2F97-695C-4CF7-A569-3E65C8B91F50}" type="datetimeFigureOut">
               <a:rPr lang="en-US" smtClean="0"/>
-              <a:t>6/3/2023</a:t>
+              <a:t>6/13/2023</a:t>
             </a:fld>
             <a:endParaRPr lang="en-US"/>
           </a:p>
@@ -457,7 +458,7 @@
           <a:p>
             <a:fld id="{EC1E2F97-695C-4CF7-A569-3E65C8B91F50}" type="datetimeFigureOut">
               <a:rPr lang="en-US" smtClean="0"/>
-              <a:t>6/3/2023</a:t>
+              <a:t>6/13/2023</a:t>
             </a:fld>
             <a:endParaRPr lang="en-US"/>
           </a:p>
@@ -665,7 +666,7 @@
           <a:p>
             <a:fld id="{EC1E2F97-695C-4CF7-A569-3E65C8B91F50}" type="datetimeFigureOut">
               <a:rPr lang="en-US" smtClean="0"/>
-              <a:t>6/3/2023</a:t>
+              <a:t>6/13/2023</a:t>
             </a:fld>
             <a:endParaRPr lang="en-US"/>
           </a:p>
@@ -863,7 +864,7 @@
           <a:p>
             <a:fld id="{EC1E2F97-695C-4CF7-A569-3E65C8B91F50}" type="datetimeFigureOut">
               <a:rPr lang="en-US" smtClean="0"/>
-              <a:t>6/3/2023</a:t>
+              <a:t>6/13/2023</a:t>
             </a:fld>
             <a:endParaRPr lang="en-US"/>
           </a:p>
@@ -1138,7 +1139,7 @@
           <a:p>
             <a:fld id="{EC1E2F97-695C-4CF7-A569-3E65C8B91F50}" type="datetimeFigureOut">
               <a:rPr lang="en-US" smtClean="0"/>
-              <a:t>6/3/2023</a:t>
+              <a:t>6/13/2023</a:t>
             </a:fld>
             <a:endParaRPr lang="en-US"/>
           </a:p>
@@ -1403,7 +1404,7 @@
           <a:p>
             <a:fld id="{EC1E2F97-695C-4CF7-A569-3E65C8B91F50}" type="datetimeFigureOut">
               <a:rPr lang="en-US" smtClean="0"/>
-              <a:t>6/3/2023</a:t>
+              <a:t>6/13/2023</a:t>
             </a:fld>
             <a:endParaRPr lang="en-US"/>
           </a:p>
@@ -1815,7 +1816,7 @@
           <a:p>
             <a:fld id="{EC1E2F97-695C-4CF7-A569-3E65C8B91F50}" type="datetimeFigureOut">
               <a:rPr lang="en-US" smtClean="0"/>
-              <a:t>6/3/2023</a:t>
+              <a:t>6/13/2023</a:t>
             </a:fld>
             <a:endParaRPr lang="en-US"/>
           </a:p>
@@ -1956,7 +1957,7 @@
           <a:p>
             <a:fld id="{EC1E2F97-695C-4CF7-A569-3E65C8B91F50}" type="datetimeFigureOut">
               <a:rPr lang="en-US" smtClean="0"/>
-              <a:t>6/3/2023</a:t>
+              <a:t>6/13/2023</a:t>
             </a:fld>
             <a:endParaRPr lang="en-US"/>
           </a:p>
@@ -2069,7 +2070,7 @@
           <a:p>
             <a:fld id="{EC1E2F97-695C-4CF7-A569-3E65C8B91F50}" type="datetimeFigureOut">
               <a:rPr lang="en-US" smtClean="0"/>
-              <a:t>6/3/2023</a:t>
+              <a:t>6/13/2023</a:t>
             </a:fld>
             <a:endParaRPr lang="en-US"/>
           </a:p>
@@ -2380,7 +2381,7 @@
           <a:p>
             <a:fld id="{EC1E2F97-695C-4CF7-A569-3E65C8B91F50}" type="datetimeFigureOut">
               <a:rPr lang="en-US" smtClean="0"/>
-              <a:t>6/3/2023</a:t>
+              <a:t>6/13/2023</a:t>
             </a:fld>
             <a:endParaRPr lang="en-US"/>
           </a:p>
@@ -2668,7 +2669,7 @@
           <a:p>
             <a:fld id="{EC1E2F97-695C-4CF7-A569-3E65C8B91F50}" type="datetimeFigureOut">
               <a:rPr lang="en-US" smtClean="0"/>
-              <a:t>6/3/2023</a:t>
+              <a:t>6/13/2023</a:t>
             </a:fld>
             <a:endParaRPr lang="en-US"/>
           </a:p>
@@ -2909,7 +2910,7 @@
           <a:p>
             <a:fld id="{EC1E2F97-695C-4CF7-A569-3E65C8B91F50}" type="datetimeFigureOut">
               <a:rPr lang="en-US" smtClean="0"/>
-              <a:t>6/3/2023</a:t>
+              <a:t>6/13/2023</a:t>
             </a:fld>
             <a:endParaRPr lang="en-US"/>
           </a:p>
@@ -5964,6 +5965,2094 @@
 </p:sld>
 </file>
 
+<file path=ppt/slides/slide2.xml><?xml version="1.0" encoding="utf-8"?>
+<p:sld xmlns:a="http://schemas.openxmlformats.org/drawingml/2006/main" xmlns:r="http://schemas.openxmlformats.org/officeDocument/2006/relationships" xmlns:p="http://schemas.openxmlformats.org/presentationml/2006/main">
+  <p:cSld>
+    <p:spTree>
+      <p:nvGrpSpPr>
+        <p:cNvPr id="1" name=""/>
+        <p:cNvGrpSpPr/>
+        <p:nvPr/>
+      </p:nvGrpSpPr>
+      <p:grpSpPr>
+        <a:xfrm>
+          <a:off x="0" y="0"/>
+          <a:ext cx="0" cy="0"/>
+          <a:chOff x="0" y="0"/>
+          <a:chExt cx="0" cy="0"/>
+        </a:xfrm>
+      </p:grpSpPr>
+      <p:grpSp>
+        <p:nvGrpSpPr>
+          <p:cNvPr id="22" name="Group 21">
+            <a:extLst>
+              <a:ext uri="{FF2B5EF4-FFF2-40B4-BE49-F238E27FC236}">
+                <a16:creationId xmlns:a16="http://schemas.microsoft.com/office/drawing/2014/main" id="{AE217777-E15D-EA62-50EB-3CBB6F505016}"/>
+              </a:ext>
+            </a:extLst>
+          </p:cNvPr>
+          <p:cNvGrpSpPr/>
+          <p:nvPr/>
+        </p:nvGrpSpPr>
+        <p:grpSpPr>
+          <a:xfrm>
+            <a:off x="160721" y="4144010"/>
+            <a:ext cx="2344269" cy="2529955"/>
+            <a:chOff x="348705" y="306012"/>
+            <a:chExt cx="2344269" cy="2529955"/>
+          </a:xfrm>
+        </p:grpSpPr>
+        <p:sp>
+          <p:nvSpPr>
+            <p:cNvPr id="4" name="Isosceles Triangle 3">
+              <a:extLst>
+                <a:ext uri="{FF2B5EF4-FFF2-40B4-BE49-F238E27FC236}">
+                  <a16:creationId xmlns:a16="http://schemas.microsoft.com/office/drawing/2014/main" id="{6C949EF3-FF5A-28E3-B778-07C0A33CC069}"/>
+                </a:ext>
+              </a:extLst>
+            </p:cNvPr>
+            <p:cNvSpPr/>
+            <p:nvPr/>
+          </p:nvSpPr>
+          <p:spPr>
+            <a:xfrm>
+              <a:off x="348705" y="306015"/>
+              <a:ext cx="495591" cy="542125"/>
+            </a:xfrm>
+            <a:prstGeom prst="triangle">
+              <a:avLst/>
+            </a:prstGeom>
+          </p:spPr>
+          <p:style>
+            <a:lnRef idx="2">
+              <a:schemeClr val="dk1">
+                <a:shade val="50000"/>
+              </a:schemeClr>
+            </a:lnRef>
+            <a:fillRef idx="1">
+              <a:schemeClr val="dk1"/>
+            </a:fillRef>
+            <a:effectRef idx="0">
+              <a:schemeClr val="dk1"/>
+            </a:effectRef>
+            <a:fontRef idx="minor">
+              <a:schemeClr val="lt1"/>
+            </a:fontRef>
+          </p:style>
+          <p:txBody>
+            <a:bodyPr rtlCol="0" anchor="ctr"/>
+            <a:lstStyle/>
+            <a:p>
+              <a:pPr algn="ctr"/>
+              <a:endParaRPr lang="en-US"/>
+            </a:p>
+          </p:txBody>
+        </p:sp>
+        <p:sp>
+          <p:nvSpPr>
+            <p:cNvPr id="5" name="Isosceles Triangle 4">
+              <a:extLst>
+                <a:ext uri="{FF2B5EF4-FFF2-40B4-BE49-F238E27FC236}">
+                  <a16:creationId xmlns:a16="http://schemas.microsoft.com/office/drawing/2014/main" id="{50B732B5-94FE-6E93-5758-558053F7DE6E}"/>
+                </a:ext>
+              </a:extLst>
+            </p:cNvPr>
+            <p:cNvSpPr/>
+            <p:nvPr/>
+          </p:nvSpPr>
+          <p:spPr>
+            <a:xfrm>
+              <a:off x="964931" y="306014"/>
+              <a:ext cx="495591" cy="542125"/>
+            </a:xfrm>
+            <a:prstGeom prst="triangle">
+              <a:avLst/>
+            </a:prstGeom>
+          </p:spPr>
+          <p:style>
+            <a:lnRef idx="2">
+              <a:schemeClr val="dk1">
+                <a:shade val="50000"/>
+              </a:schemeClr>
+            </a:lnRef>
+            <a:fillRef idx="1">
+              <a:schemeClr val="dk1"/>
+            </a:fillRef>
+            <a:effectRef idx="0">
+              <a:schemeClr val="dk1"/>
+            </a:effectRef>
+            <a:fontRef idx="minor">
+              <a:schemeClr val="lt1"/>
+            </a:fontRef>
+          </p:style>
+          <p:txBody>
+            <a:bodyPr rtlCol="0" anchor="ctr"/>
+            <a:lstStyle/>
+            <a:p>
+              <a:pPr algn="ctr"/>
+              <a:endParaRPr lang="en-US"/>
+            </a:p>
+          </p:txBody>
+        </p:sp>
+        <p:sp>
+          <p:nvSpPr>
+            <p:cNvPr id="6" name="Isosceles Triangle 5">
+              <a:extLst>
+                <a:ext uri="{FF2B5EF4-FFF2-40B4-BE49-F238E27FC236}">
+                  <a16:creationId xmlns:a16="http://schemas.microsoft.com/office/drawing/2014/main" id="{5D1F1114-8ED1-2428-8D59-73612E81DCA8}"/>
+                </a:ext>
+              </a:extLst>
+            </p:cNvPr>
+            <p:cNvSpPr/>
+            <p:nvPr/>
+          </p:nvSpPr>
+          <p:spPr>
+            <a:xfrm>
+              <a:off x="1581157" y="306013"/>
+              <a:ext cx="495591" cy="542125"/>
+            </a:xfrm>
+            <a:prstGeom prst="triangle">
+              <a:avLst/>
+            </a:prstGeom>
+          </p:spPr>
+          <p:style>
+            <a:lnRef idx="2">
+              <a:schemeClr val="dk1">
+                <a:shade val="50000"/>
+              </a:schemeClr>
+            </a:lnRef>
+            <a:fillRef idx="1">
+              <a:schemeClr val="dk1"/>
+            </a:fillRef>
+            <a:effectRef idx="0">
+              <a:schemeClr val="dk1"/>
+            </a:effectRef>
+            <a:fontRef idx="minor">
+              <a:schemeClr val="lt1"/>
+            </a:fontRef>
+          </p:style>
+          <p:txBody>
+            <a:bodyPr rtlCol="0" anchor="ctr"/>
+            <a:lstStyle/>
+            <a:p>
+              <a:pPr algn="ctr"/>
+              <a:endParaRPr lang="en-US"/>
+            </a:p>
+          </p:txBody>
+        </p:sp>
+        <p:sp>
+          <p:nvSpPr>
+            <p:cNvPr id="7" name="Isosceles Triangle 6">
+              <a:extLst>
+                <a:ext uri="{FF2B5EF4-FFF2-40B4-BE49-F238E27FC236}">
+                  <a16:creationId xmlns:a16="http://schemas.microsoft.com/office/drawing/2014/main" id="{ED82C7DE-9FC0-B113-1460-470602813E64}"/>
+                </a:ext>
+              </a:extLst>
+            </p:cNvPr>
+            <p:cNvSpPr/>
+            <p:nvPr/>
+          </p:nvSpPr>
+          <p:spPr>
+            <a:xfrm>
+              <a:off x="2197383" y="306012"/>
+              <a:ext cx="495591" cy="542125"/>
+            </a:xfrm>
+            <a:prstGeom prst="triangle">
+              <a:avLst/>
+            </a:prstGeom>
+          </p:spPr>
+          <p:style>
+            <a:lnRef idx="2">
+              <a:schemeClr val="dk1">
+                <a:shade val="50000"/>
+              </a:schemeClr>
+            </a:lnRef>
+            <a:fillRef idx="1">
+              <a:schemeClr val="dk1"/>
+            </a:fillRef>
+            <a:effectRef idx="0">
+              <a:schemeClr val="dk1"/>
+            </a:effectRef>
+            <a:fontRef idx="minor">
+              <a:schemeClr val="lt1"/>
+            </a:fontRef>
+          </p:style>
+          <p:txBody>
+            <a:bodyPr rtlCol="0" anchor="ctr"/>
+            <a:lstStyle/>
+            <a:p>
+              <a:pPr algn="ctr"/>
+              <a:endParaRPr lang="en-US"/>
+            </a:p>
+          </p:txBody>
+        </p:sp>
+        <p:sp>
+          <p:nvSpPr>
+            <p:cNvPr id="8" name="Isosceles Triangle 7">
+              <a:extLst>
+                <a:ext uri="{FF2B5EF4-FFF2-40B4-BE49-F238E27FC236}">
+                  <a16:creationId xmlns:a16="http://schemas.microsoft.com/office/drawing/2014/main" id="{493F0E71-D1F9-667C-F5D5-F579FDD0940D}"/>
+                </a:ext>
+              </a:extLst>
+            </p:cNvPr>
+            <p:cNvSpPr/>
+            <p:nvPr/>
+          </p:nvSpPr>
+          <p:spPr>
+            <a:xfrm>
+              <a:off x="348705" y="968624"/>
+              <a:ext cx="495591" cy="542125"/>
+            </a:xfrm>
+            <a:prstGeom prst="triangle">
+              <a:avLst/>
+            </a:prstGeom>
+          </p:spPr>
+          <p:style>
+            <a:lnRef idx="2">
+              <a:schemeClr val="dk1">
+                <a:shade val="50000"/>
+              </a:schemeClr>
+            </a:lnRef>
+            <a:fillRef idx="1">
+              <a:schemeClr val="dk1"/>
+            </a:fillRef>
+            <a:effectRef idx="0">
+              <a:schemeClr val="dk1"/>
+            </a:effectRef>
+            <a:fontRef idx="minor">
+              <a:schemeClr val="lt1"/>
+            </a:fontRef>
+          </p:style>
+          <p:txBody>
+            <a:bodyPr rtlCol="0" anchor="ctr"/>
+            <a:lstStyle/>
+            <a:p>
+              <a:pPr algn="ctr"/>
+              <a:endParaRPr lang="en-US"/>
+            </a:p>
+          </p:txBody>
+        </p:sp>
+        <p:sp>
+          <p:nvSpPr>
+            <p:cNvPr id="9" name="Isosceles Triangle 8">
+              <a:extLst>
+                <a:ext uri="{FF2B5EF4-FFF2-40B4-BE49-F238E27FC236}">
+                  <a16:creationId xmlns:a16="http://schemas.microsoft.com/office/drawing/2014/main" id="{4D62FCFA-FC4F-924B-4683-D4CF526E1FCB}"/>
+                </a:ext>
+              </a:extLst>
+            </p:cNvPr>
+            <p:cNvSpPr/>
+            <p:nvPr/>
+          </p:nvSpPr>
+          <p:spPr>
+            <a:xfrm>
+              <a:off x="348705" y="1631233"/>
+              <a:ext cx="495591" cy="542125"/>
+            </a:xfrm>
+            <a:prstGeom prst="triangle">
+              <a:avLst/>
+            </a:prstGeom>
+          </p:spPr>
+          <p:style>
+            <a:lnRef idx="2">
+              <a:schemeClr val="dk1">
+                <a:shade val="50000"/>
+              </a:schemeClr>
+            </a:lnRef>
+            <a:fillRef idx="1">
+              <a:schemeClr val="dk1"/>
+            </a:fillRef>
+            <a:effectRef idx="0">
+              <a:schemeClr val="dk1"/>
+            </a:effectRef>
+            <a:fontRef idx="minor">
+              <a:schemeClr val="lt1"/>
+            </a:fontRef>
+          </p:style>
+          <p:txBody>
+            <a:bodyPr rtlCol="0" anchor="ctr"/>
+            <a:lstStyle/>
+            <a:p>
+              <a:pPr algn="ctr"/>
+              <a:endParaRPr lang="en-US"/>
+            </a:p>
+          </p:txBody>
+        </p:sp>
+        <p:sp>
+          <p:nvSpPr>
+            <p:cNvPr id="10" name="Isosceles Triangle 9">
+              <a:extLst>
+                <a:ext uri="{FF2B5EF4-FFF2-40B4-BE49-F238E27FC236}">
+                  <a16:creationId xmlns:a16="http://schemas.microsoft.com/office/drawing/2014/main" id="{727169E9-9030-C4BE-20F4-C9A4A8974EF6}"/>
+                </a:ext>
+              </a:extLst>
+            </p:cNvPr>
+            <p:cNvSpPr/>
+            <p:nvPr/>
+          </p:nvSpPr>
+          <p:spPr>
+            <a:xfrm>
+              <a:off x="348705" y="2293842"/>
+              <a:ext cx="495591" cy="542125"/>
+            </a:xfrm>
+            <a:prstGeom prst="triangle">
+              <a:avLst/>
+            </a:prstGeom>
+          </p:spPr>
+          <p:style>
+            <a:lnRef idx="2">
+              <a:schemeClr val="dk1">
+                <a:shade val="50000"/>
+              </a:schemeClr>
+            </a:lnRef>
+            <a:fillRef idx="1">
+              <a:schemeClr val="dk1"/>
+            </a:fillRef>
+            <a:effectRef idx="0">
+              <a:schemeClr val="dk1"/>
+            </a:effectRef>
+            <a:fontRef idx="minor">
+              <a:schemeClr val="lt1"/>
+            </a:fontRef>
+          </p:style>
+          <p:txBody>
+            <a:bodyPr rtlCol="0" anchor="ctr"/>
+            <a:lstStyle/>
+            <a:p>
+              <a:pPr algn="ctr"/>
+              <a:endParaRPr lang="en-US"/>
+            </a:p>
+          </p:txBody>
+        </p:sp>
+        <p:sp>
+          <p:nvSpPr>
+            <p:cNvPr id="11" name="Isosceles Triangle 10">
+              <a:extLst>
+                <a:ext uri="{FF2B5EF4-FFF2-40B4-BE49-F238E27FC236}">
+                  <a16:creationId xmlns:a16="http://schemas.microsoft.com/office/drawing/2014/main" id="{110CCCBF-8639-8D21-2E00-AE17D70CC921}"/>
+                </a:ext>
+              </a:extLst>
+            </p:cNvPr>
+            <p:cNvSpPr/>
+            <p:nvPr/>
+          </p:nvSpPr>
+          <p:spPr>
+            <a:xfrm>
+              <a:off x="964931" y="2293841"/>
+              <a:ext cx="495591" cy="542125"/>
+            </a:xfrm>
+            <a:prstGeom prst="triangle">
+              <a:avLst/>
+            </a:prstGeom>
+          </p:spPr>
+          <p:style>
+            <a:lnRef idx="2">
+              <a:schemeClr val="dk1">
+                <a:shade val="50000"/>
+              </a:schemeClr>
+            </a:lnRef>
+            <a:fillRef idx="1">
+              <a:schemeClr val="dk1"/>
+            </a:fillRef>
+            <a:effectRef idx="0">
+              <a:schemeClr val="dk1"/>
+            </a:effectRef>
+            <a:fontRef idx="minor">
+              <a:schemeClr val="lt1"/>
+            </a:fontRef>
+          </p:style>
+          <p:txBody>
+            <a:bodyPr rtlCol="0" anchor="ctr"/>
+            <a:lstStyle/>
+            <a:p>
+              <a:pPr algn="ctr"/>
+              <a:endParaRPr lang="en-US"/>
+            </a:p>
+          </p:txBody>
+        </p:sp>
+        <p:sp>
+          <p:nvSpPr>
+            <p:cNvPr id="12" name="Isosceles Triangle 11">
+              <a:extLst>
+                <a:ext uri="{FF2B5EF4-FFF2-40B4-BE49-F238E27FC236}">
+                  <a16:creationId xmlns:a16="http://schemas.microsoft.com/office/drawing/2014/main" id="{15D8E7F0-31A9-EC14-F3D0-828BE638A280}"/>
+                </a:ext>
+              </a:extLst>
+            </p:cNvPr>
+            <p:cNvSpPr/>
+            <p:nvPr/>
+          </p:nvSpPr>
+          <p:spPr>
+            <a:xfrm>
+              <a:off x="1581156" y="2293840"/>
+              <a:ext cx="495591" cy="542125"/>
+            </a:xfrm>
+            <a:prstGeom prst="triangle">
+              <a:avLst/>
+            </a:prstGeom>
+          </p:spPr>
+          <p:style>
+            <a:lnRef idx="2">
+              <a:schemeClr val="dk1">
+                <a:shade val="50000"/>
+              </a:schemeClr>
+            </a:lnRef>
+            <a:fillRef idx="1">
+              <a:schemeClr val="dk1"/>
+            </a:fillRef>
+            <a:effectRef idx="0">
+              <a:schemeClr val="dk1"/>
+            </a:effectRef>
+            <a:fontRef idx="minor">
+              <a:schemeClr val="lt1"/>
+            </a:fontRef>
+          </p:style>
+          <p:txBody>
+            <a:bodyPr rtlCol="0" anchor="ctr"/>
+            <a:lstStyle/>
+            <a:p>
+              <a:pPr algn="ctr"/>
+              <a:endParaRPr lang="en-US"/>
+            </a:p>
+          </p:txBody>
+        </p:sp>
+        <p:sp>
+          <p:nvSpPr>
+            <p:cNvPr id="13" name="Isosceles Triangle 12">
+              <a:extLst>
+                <a:ext uri="{FF2B5EF4-FFF2-40B4-BE49-F238E27FC236}">
+                  <a16:creationId xmlns:a16="http://schemas.microsoft.com/office/drawing/2014/main" id="{8E6647A0-EC6A-4F24-8AE5-9323B22A6C1F}"/>
+                </a:ext>
+              </a:extLst>
+            </p:cNvPr>
+            <p:cNvSpPr/>
+            <p:nvPr/>
+          </p:nvSpPr>
+          <p:spPr>
+            <a:xfrm>
+              <a:off x="2197383" y="2293839"/>
+              <a:ext cx="495591" cy="542125"/>
+            </a:xfrm>
+            <a:prstGeom prst="triangle">
+              <a:avLst/>
+            </a:prstGeom>
+          </p:spPr>
+          <p:style>
+            <a:lnRef idx="2">
+              <a:schemeClr val="dk1">
+                <a:shade val="50000"/>
+              </a:schemeClr>
+            </a:lnRef>
+            <a:fillRef idx="1">
+              <a:schemeClr val="dk1"/>
+            </a:fillRef>
+            <a:effectRef idx="0">
+              <a:schemeClr val="dk1"/>
+            </a:effectRef>
+            <a:fontRef idx="minor">
+              <a:schemeClr val="lt1"/>
+            </a:fontRef>
+          </p:style>
+          <p:txBody>
+            <a:bodyPr rtlCol="0" anchor="ctr"/>
+            <a:lstStyle/>
+            <a:p>
+              <a:pPr algn="ctr"/>
+              <a:endParaRPr lang="en-US" dirty="0"/>
+            </a:p>
+          </p:txBody>
+        </p:sp>
+        <p:sp>
+          <p:nvSpPr>
+            <p:cNvPr id="15" name="Isosceles Triangle 14">
+              <a:extLst>
+                <a:ext uri="{FF2B5EF4-FFF2-40B4-BE49-F238E27FC236}">
+                  <a16:creationId xmlns:a16="http://schemas.microsoft.com/office/drawing/2014/main" id="{B0BC7A01-E216-CB46-EAE8-24B04C9A929F}"/>
+                </a:ext>
+              </a:extLst>
+            </p:cNvPr>
+            <p:cNvSpPr/>
+            <p:nvPr/>
+          </p:nvSpPr>
+          <p:spPr>
+            <a:xfrm>
+              <a:off x="2197383" y="968623"/>
+              <a:ext cx="495591" cy="542125"/>
+            </a:xfrm>
+            <a:prstGeom prst="triangle">
+              <a:avLst/>
+            </a:prstGeom>
+          </p:spPr>
+          <p:style>
+            <a:lnRef idx="2">
+              <a:schemeClr val="dk1">
+                <a:shade val="50000"/>
+              </a:schemeClr>
+            </a:lnRef>
+            <a:fillRef idx="1">
+              <a:schemeClr val="dk1"/>
+            </a:fillRef>
+            <a:effectRef idx="0">
+              <a:schemeClr val="dk1"/>
+            </a:effectRef>
+            <a:fontRef idx="minor">
+              <a:schemeClr val="lt1"/>
+            </a:fontRef>
+          </p:style>
+          <p:txBody>
+            <a:bodyPr rtlCol="0" anchor="ctr"/>
+            <a:lstStyle/>
+            <a:p>
+              <a:pPr algn="ctr"/>
+              <a:endParaRPr lang="en-US"/>
+            </a:p>
+          </p:txBody>
+        </p:sp>
+        <p:sp>
+          <p:nvSpPr>
+            <p:cNvPr id="16" name="Isosceles Triangle 15">
+              <a:extLst>
+                <a:ext uri="{FF2B5EF4-FFF2-40B4-BE49-F238E27FC236}">
+                  <a16:creationId xmlns:a16="http://schemas.microsoft.com/office/drawing/2014/main" id="{ED0EA291-19AC-C09B-D500-76D6D2D2A88C}"/>
+                </a:ext>
+              </a:extLst>
+            </p:cNvPr>
+            <p:cNvSpPr/>
+            <p:nvPr/>
+          </p:nvSpPr>
+          <p:spPr>
+            <a:xfrm>
+              <a:off x="2197383" y="1631233"/>
+              <a:ext cx="495591" cy="542125"/>
+            </a:xfrm>
+            <a:prstGeom prst="triangle">
+              <a:avLst/>
+            </a:prstGeom>
+          </p:spPr>
+          <p:style>
+            <a:lnRef idx="2">
+              <a:schemeClr val="dk1">
+                <a:shade val="50000"/>
+              </a:schemeClr>
+            </a:lnRef>
+            <a:fillRef idx="1">
+              <a:schemeClr val="dk1"/>
+            </a:fillRef>
+            <a:effectRef idx="0">
+              <a:schemeClr val="dk1"/>
+            </a:effectRef>
+            <a:fontRef idx="minor">
+              <a:schemeClr val="lt1"/>
+            </a:fontRef>
+          </p:style>
+          <p:txBody>
+            <a:bodyPr rtlCol="0" anchor="ctr"/>
+            <a:lstStyle/>
+            <a:p>
+              <a:pPr algn="ctr"/>
+              <a:endParaRPr lang="en-US"/>
+            </a:p>
+          </p:txBody>
+        </p:sp>
+      </p:grpSp>
+      <p:grpSp>
+        <p:nvGrpSpPr>
+          <p:cNvPr id="33" name="Group 32">
+            <a:extLst>
+              <a:ext uri="{FF2B5EF4-FFF2-40B4-BE49-F238E27FC236}">
+                <a16:creationId xmlns:a16="http://schemas.microsoft.com/office/drawing/2014/main" id="{7C3B3D1D-3073-E631-2B6D-FA3EB0DA8517}"/>
+              </a:ext>
+            </a:extLst>
+          </p:cNvPr>
+          <p:cNvGrpSpPr/>
+          <p:nvPr/>
+        </p:nvGrpSpPr>
+        <p:grpSpPr>
+          <a:xfrm>
+            <a:off x="130118" y="171997"/>
+            <a:ext cx="2849067" cy="3184116"/>
+            <a:chOff x="3246933" y="577074"/>
+            <a:chExt cx="2849067" cy="3184116"/>
+          </a:xfrm>
+        </p:grpSpPr>
+        <p:sp>
+          <p:nvSpPr>
+            <p:cNvPr id="20" name="Isosceles Triangle 19">
+              <a:extLst>
+                <a:ext uri="{FF2B5EF4-FFF2-40B4-BE49-F238E27FC236}">
+                  <a16:creationId xmlns:a16="http://schemas.microsoft.com/office/drawing/2014/main" id="{959F209D-99B7-33DE-4A88-BE724A14ACAC}"/>
+                </a:ext>
+              </a:extLst>
+            </p:cNvPr>
+            <p:cNvSpPr/>
+            <p:nvPr/>
+          </p:nvSpPr>
+          <p:spPr>
+            <a:xfrm flipV="1">
+              <a:off x="4423749" y="577074"/>
+              <a:ext cx="495591" cy="542125"/>
+            </a:xfrm>
+            <a:prstGeom prst="triangle">
+              <a:avLst/>
+            </a:prstGeom>
+          </p:spPr>
+          <p:style>
+            <a:lnRef idx="2">
+              <a:schemeClr val="dk1">
+                <a:shade val="50000"/>
+              </a:schemeClr>
+            </a:lnRef>
+            <a:fillRef idx="1">
+              <a:schemeClr val="dk1"/>
+            </a:fillRef>
+            <a:effectRef idx="0">
+              <a:schemeClr val="dk1"/>
+            </a:effectRef>
+            <a:fontRef idx="minor">
+              <a:schemeClr val="lt1"/>
+            </a:fontRef>
+          </p:style>
+          <p:txBody>
+            <a:bodyPr rtlCol="0" anchor="ctr"/>
+            <a:lstStyle/>
+            <a:p>
+              <a:pPr algn="ctr"/>
+              <a:endParaRPr lang="en-US"/>
+            </a:p>
+          </p:txBody>
+        </p:sp>
+        <p:sp>
+          <p:nvSpPr>
+            <p:cNvPr id="21" name="Isosceles Triangle 20">
+              <a:extLst>
+                <a:ext uri="{FF2B5EF4-FFF2-40B4-BE49-F238E27FC236}">
+                  <a16:creationId xmlns:a16="http://schemas.microsoft.com/office/drawing/2014/main" id="{0408BA2F-C61C-20AC-247F-204291C40283}"/>
+                </a:ext>
+              </a:extLst>
+            </p:cNvPr>
+            <p:cNvSpPr/>
+            <p:nvPr/>
+          </p:nvSpPr>
+          <p:spPr>
+            <a:xfrm flipV="1">
+              <a:off x="4826575" y="1026434"/>
+              <a:ext cx="495591" cy="542125"/>
+            </a:xfrm>
+            <a:prstGeom prst="triangle">
+              <a:avLst/>
+            </a:prstGeom>
+          </p:spPr>
+          <p:style>
+            <a:lnRef idx="2">
+              <a:schemeClr val="dk1">
+                <a:shade val="50000"/>
+              </a:schemeClr>
+            </a:lnRef>
+            <a:fillRef idx="1">
+              <a:schemeClr val="dk1"/>
+            </a:fillRef>
+            <a:effectRef idx="0">
+              <a:schemeClr val="dk1"/>
+            </a:effectRef>
+            <a:fontRef idx="minor">
+              <a:schemeClr val="lt1"/>
+            </a:fontRef>
+          </p:style>
+          <p:txBody>
+            <a:bodyPr rtlCol="0" anchor="ctr"/>
+            <a:lstStyle/>
+            <a:p>
+              <a:pPr algn="ctr"/>
+              <a:endParaRPr lang="en-US"/>
+            </a:p>
+          </p:txBody>
+        </p:sp>
+        <p:sp>
+          <p:nvSpPr>
+            <p:cNvPr id="23" name="Isosceles Triangle 22">
+              <a:extLst>
+                <a:ext uri="{FF2B5EF4-FFF2-40B4-BE49-F238E27FC236}">
+                  <a16:creationId xmlns:a16="http://schemas.microsoft.com/office/drawing/2014/main" id="{76ABE700-BE87-52E3-B1C5-74C2868318A2}"/>
+                </a:ext>
+              </a:extLst>
+            </p:cNvPr>
+            <p:cNvSpPr/>
+            <p:nvPr/>
+          </p:nvSpPr>
+          <p:spPr>
+            <a:xfrm flipV="1">
+              <a:off x="5213570" y="1475794"/>
+              <a:ext cx="495591" cy="542125"/>
+            </a:xfrm>
+            <a:prstGeom prst="triangle">
+              <a:avLst/>
+            </a:prstGeom>
+          </p:spPr>
+          <p:style>
+            <a:lnRef idx="2">
+              <a:schemeClr val="dk1">
+                <a:shade val="50000"/>
+              </a:schemeClr>
+            </a:lnRef>
+            <a:fillRef idx="1">
+              <a:schemeClr val="dk1"/>
+            </a:fillRef>
+            <a:effectRef idx="0">
+              <a:schemeClr val="dk1"/>
+            </a:effectRef>
+            <a:fontRef idx="minor">
+              <a:schemeClr val="lt1"/>
+            </a:fontRef>
+          </p:style>
+          <p:txBody>
+            <a:bodyPr rtlCol="0" anchor="ctr"/>
+            <a:lstStyle/>
+            <a:p>
+              <a:pPr algn="ctr"/>
+              <a:endParaRPr lang="en-US"/>
+            </a:p>
+          </p:txBody>
+        </p:sp>
+        <p:sp>
+          <p:nvSpPr>
+            <p:cNvPr id="24" name="Isosceles Triangle 23">
+              <a:extLst>
+                <a:ext uri="{FF2B5EF4-FFF2-40B4-BE49-F238E27FC236}">
+                  <a16:creationId xmlns:a16="http://schemas.microsoft.com/office/drawing/2014/main" id="{0FD569CF-4001-137D-B9F8-CD559A551BFE}"/>
+                </a:ext>
+              </a:extLst>
+            </p:cNvPr>
+            <p:cNvSpPr/>
+            <p:nvPr/>
+          </p:nvSpPr>
+          <p:spPr>
+            <a:xfrm flipV="1">
+              <a:off x="5600409" y="1925154"/>
+              <a:ext cx="495591" cy="542125"/>
+            </a:xfrm>
+            <a:prstGeom prst="triangle">
+              <a:avLst/>
+            </a:prstGeom>
+          </p:spPr>
+          <p:style>
+            <a:lnRef idx="2">
+              <a:schemeClr val="dk1">
+                <a:shade val="50000"/>
+              </a:schemeClr>
+            </a:lnRef>
+            <a:fillRef idx="1">
+              <a:schemeClr val="dk1"/>
+            </a:fillRef>
+            <a:effectRef idx="0">
+              <a:schemeClr val="dk1"/>
+            </a:effectRef>
+            <a:fontRef idx="minor">
+              <a:schemeClr val="lt1"/>
+            </a:fontRef>
+          </p:style>
+          <p:txBody>
+            <a:bodyPr rtlCol="0" anchor="ctr"/>
+            <a:lstStyle/>
+            <a:p>
+              <a:pPr algn="ctr"/>
+              <a:endParaRPr lang="en-US"/>
+            </a:p>
+          </p:txBody>
+        </p:sp>
+        <p:sp>
+          <p:nvSpPr>
+            <p:cNvPr id="25" name="Isosceles Triangle 24">
+              <a:extLst>
+                <a:ext uri="{FF2B5EF4-FFF2-40B4-BE49-F238E27FC236}">
+                  <a16:creationId xmlns:a16="http://schemas.microsoft.com/office/drawing/2014/main" id="{4850F873-C2B2-E96A-CC99-B7CADD09769F}"/>
+                </a:ext>
+              </a:extLst>
+            </p:cNvPr>
+            <p:cNvSpPr/>
+            <p:nvPr/>
+          </p:nvSpPr>
+          <p:spPr>
+            <a:xfrm flipV="1">
+              <a:off x="4020923" y="1026433"/>
+              <a:ext cx="495591" cy="542125"/>
+            </a:xfrm>
+            <a:prstGeom prst="triangle">
+              <a:avLst/>
+            </a:prstGeom>
+          </p:spPr>
+          <p:style>
+            <a:lnRef idx="2">
+              <a:schemeClr val="dk1">
+                <a:shade val="50000"/>
+              </a:schemeClr>
+            </a:lnRef>
+            <a:fillRef idx="1">
+              <a:schemeClr val="dk1"/>
+            </a:fillRef>
+            <a:effectRef idx="0">
+              <a:schemeClr val="dk1"/>
+            </a:effectRef>
+            <a:fontRef idx="minor">
+              <a:schemeClr val="lt1"/>
+            </a:fontRef>
+          </p:style>
+          <p:txBody>
+            <a:bodyPr rtlCol="0" anchor="ctr"/>
+            <a:lstStyle/>
+            <a:p>
+              <a:pPr algn="ctr"/>
+              <a:endParaRPr lang="en-US"/>
+            </a:p>
+          </p:txBody>
+        </p:sp>
+        <p:sp>
+          <p:nvSpPr>
+            <p:cNvPr id="26" name="Isosceles Triangle 25">
+              <a:extLst>
+                <a:ext uri="{FF2B5EF4-FFF2-40B4-BE49-F238E27FC236}">
+                  <a16:creationId xmlns:a16="http://schemas.microsoft.com/office/drawing/2014/main" id="{C9A6E8BB-1130-6B62-41B6-AE039C8C35B9}"/>
+                </a:ext>
+              </a:extLst>
+            </p:cNvPr>
+            <p:cNvSpPr/>
+            <p:nvPr/>
+          </p:nvSpPr>
+          <p:spPr>
+            <a:xfrm flipV="1">
+              <a:off x="3633928" y="1493849"/>
+              <a:ext cx="495591" cy="542125"/>
+            </a:xfrm>
+            <a:prstGeom prst="triangle">
+              <a:avLst/>
+            </a:prstGeom>
+          </p:spPr>
+          <p:style>
+            <a:lnRef idx="2">
+              <a:schemeClr val="dk1">
+                <a:shade val="50000"/>
+              </a:schemeClr>
+            </a:lnRef>
+            <a:fillRef idx="1">
+              <a:schemeClr val="dk1"/>
+            </a:fillRef>
+            <a:effectRef idx="0">
+              <a:schemeClr val="dk1"/>
+            </a:effectRef>
+            <a:fontRef idx="minor">
+              <a:schemeClr val="lt1"/>
+            </a:fontRef>
+          </p:style>
+          <p:txBody>
+            <a:bodyPr rtlCol="0" anchor="ctr"/>
+            <a:lstStyle/>
+            <a:p>
+              <a:pPr algn="ctr"/>
+              <a:endParaRPr lang="en-US"/>
+            </a:p>
+          </p:txBody>
+        </p:sp>
+        <p:sp>
+          <p:nvSpPr>
+            <p:cNvPr id="27" name="Isosceles Triangle 26">
+              <a:extLst>
+                <a:ext uri="{FF2B5EF4-FFF2-40B4-BE49-F238E27FC236}">
+                  <a16:creationId xmlns:a16="http://schemas.microsoft.com/office/drawing/2014/main" id="{683F5203-43B6-EB94-03D6-CC5EF15797F2}"/>
+                </a:ext>
+              </a:extLst>
+            </p:cNvPr>
+            <p:cNvSpPr/>
+            <p:nvPr/>
+          </p:nvSpPr>
+          <p:spPr>
+            <a:xfrm flipV="1">
+              <a:off x="3246933" y="1925153"/>
+              <a:ext cx="495591" cy="542125"/>
+            </a:xfrm>
+            <a:prstGeom prst="triangle">
+              <a:avLst/>
+            </a:prstGeom>
+          </p:spPr>
+          <p:style>
+            <a:lnRef idx="2">
+              <a:schemeClr val="dk1">
+                <a:shade val="50000"/>
+              </a:schemeClr>
+            </a:lnRef>
+            <a:fillRef idx="1">
+              <a:schemeClr val="dk1"/>
+            </a:fillRef>
+            <a:effectRef idx="0">
+              <a:schemeClr val="dk1"/>
+            </a:effectRef>
+            <a:fontRef idx="minor">
+              <a:schemeClr val="lt1"/>
+            </a:fontRef>
+          </p:style>
+          <p:txBody>
+            <a:bodyPr rtlCol="0" anchor="ctr"/>
+            <a:lstStyle/>
+            <a:p>
+              <a:pPr algn="ctr"/>
+              <a:endParaRPr lang="en-US"/>
+            </a:p>
+          </p:txBody>
+        </p:sp>
+        <p:sp>
+          <p:nvSpPr>
+            <p:cNvPr id="28" name="Isosceles Triangle 27">
+              <a:extLst>
+                <a:ext uri="{FF2B5EF4-FFF2-40B4-BE49-F238E27FC236}">
+                  <a16:creationId xmlns:a16="http://schemas.microsoft.com/office/drawing/2014/main" id="{BCE47A47-4107-D591-AB9E-A7C584ADDF06}"/>
+                </a:ext>
+              </a:extLst>
+            </p:cNvPr>
+            <p:cNvSpPr/>
+            <p:nvPr/>
+          </p:nvSpPr>
+          <p:spPr>
+            <a:xfrm flipV="1">
+              <a:off x="3633772" y="2356457"/>
+              <a:ext cx="495591" cy="542125"/>
+            </a:xfrm>
+            <a:prstGeom prst="triangle">
+              <a:avLst/>
+            </a:prstGeom>
+          </p:spPr>
+          <p:style>
+            <a:lnRef idx="2">
+              <a:schemeClr val="dk1">
+                <a:shade val="50000"/>
+              </a:schemeClr>
+            </a:lnRef>
+            <a:fillRef idx="1">
+              <a:schemeClr val="dk1"/>
+            </a:fillRef>
+            <a:effectRef idx="0">
+              <a:schemeClr val="dk1"/>
+            </a:effectRef>
+            <a:fontRef idx="minor">
+              <a:schemeClr val="lt1"/>
+            </a:fontRef>
+          </p:style>
+          <p:txBody>
+            <a:bodyPr rtlCol="0" anchor="ctr"/>
+            <a:lstStyle/>
+            <a:p>
+              <a:pPr algn="ctr"/>
+              <a:endParaRPr lang="en-US"/>
+            </a:p>
+          </p:txBody>
+        </p:sp>
+        <p:sp>
+          <p:nvSpPr>
+            <p:cNvPr id="29" name="Isosceles Triangle 28">
+              <a:extLst>
+                <a:ext uri="{FF2B5EF4-FFF2-40B4-BE49-F238E27FC236}">
+                  <a16:creationId xmlns:a16="http://schemas.microsoft.com/office/drawing/2014/main" id="{964E1640-22AA-606C-55E2-205EC2865652}"/>
+                </a:ext>
+              </a:extLst>
+            </p:cNvPr>
+            <p:cNvSpPr/>
+            <p:nvPr/>
+          </p:nvSpPr>
+          <p:spPr>
+            <a:xfrm flipV="1">
+              <a:off x="4020923" y="2787761"/>
+              <a:ext cx="495591" cy="542125"/>
+            </a:xfrm>
+            <a:prstGeom prst="triangle">
+              <a:avLst/>
+            </a:prstGeom>
+          </p:spPr>
+          <p:style>
+            <a:lnRef idx="2">
+              <a:schemeClr val="dk1">
+                <a:shade val="50000"/>
+              </a:schemeClr>
+            </a:lnRef>
+            <a:fillRef idx="1">
+              <a:schemeClr val="dk1"/>
+            </a:fillRef>
+            <a:effectRef idx="0">
+              <a:schemeClr val="dk1"/>
+            </a:effectRef>
+            <a:fontRef idx="minor">
+              <a:schemeClr val="lt1"/>
+            </a:fontRef>
+          </p:style>
+          <p:txBody>
+            <a:bodyPr rtlCol="0" anchor="ctr"/>
+            <a:lstStyle/>
+            <a:p>
+              <a:pPr algn="ctr"/>
+              <a:endParaRPr lang="en-US"/>
+            </a:p>
+          </p:txBody>
+        </p:sp>
+        <p:sp>
+          <p:nvSpPr>
+            <p:cNvPr id="30" name="Isosceles Triangle 29">
+              <a:extLst>
+                <a:ext uri="{FF2B5EF4-FFF2-40B4-BE49-F238E27FC236}">
+                  <a16:creationId xmlns:a16="http://schemas.microsoft.com/office/drawing/2014/main" id="{9A2A01F2-DC1B-388B-AE1D-8A1745D751B5}"/>
+                </a:ext>
+              </a:extLst>
+            </p:cNvPr>
+            <p:cNvSpPr/>
+            <p:nvPr/>
+          </p:nvSpPr>
+          <p:spPr>
+            <a:xfrm flipV="1">
+              <a:off x="4449671" y="3219065"/>
+              <a:ext cx="495591" cy="542125"/>
+            </a:xfrm>
+            <a:prstGeom prst="triangle">
+              <a:avLst/>
+            </a:prstGeom>
+          </p:spPr>
+          <p:style>
+            <a:lnRef idx="2">
+              <a:schemeClr val="dk1">
+                <a:shade val="50000"/>
+              </a:schemeClr>
+            </a:lnRef>
+            <a:fillRef idx="1">
+              <a:schemeClr val="dk1"/>
+            </a:fillRef>
+            <a:effectRef idx="0">
+              <a:schemeClr val="dk1"/>
+            </a:effectRef>
+            <a:fontRef idx="minor">
+              <a:schemeClr val="lt1"/>
+            </a:fontRef>
+          </p:style>
+          <p:txBody>
+            <a:bodyPr rtlCol="0" anchor="ctr"/>
+            <a:lstStyle/>
+            <a:p>
+              <a:pPr algn="ctr"/>
+              <a:endParaRPr lang="en-US"/>
+            </a:p>
+          </p:txBody>
+        </p:sp>
+        <p:sp>
+          <p:nvSpPr>
+            <p:cNvPr id="31" name="Isosceles Triangle 30">
+              <a:extLst>
+                <a:ext uri="{FF2B5EF4-FFF2-40B4-BE49-F238E27FC236}">
+                  <a16:creationId xmlns:a16="http://schemas.microsoft.com/office/drawing/2014/main" id="{517F2443-4C52-C02E-F54F-2C0F559641D4}"/>
+                </a:ext>
+              </a:extLst>
+            </p:cNvPr>
+            <p:cNvSpPr/>
+            <p:nvPr/>
+          </p:nvSpPr>
+          <p:spPr>
+            <a:xfrm flipV="1">
+              <a:off x="5213570" y="2356456"/>
+              <a:ext cx="495591" cy="542125"/>
+            </a:xfrm>
+            <a:prstGeom prst="triangle">
+              <a:avLst/>
+            </a:prstGeom>
+          </p:spPr>
+          <p:style>
+            <a:lnRef idx="2">
+              <a:schemeClr val="dk1">
+                <a:shade val="50000"/>
+              </a:schemeClr>
+            </a:lnRef>
+            <a:fillRef idx="1">
+              <a:schemeClr val="dk1"/>
+            </a:fillRef>
+            <a:effectRef idx="0">
+              <a:schemeClr val="dk1"/>
+            </a:effectRef>
+            <a:fontRef idx="minor">
+              <a:schemeClr val="lt1"/>
+            </a:fontRef>
+          </p:style>
+          <p:txBody>
+            <a:bodyPr rtlCol="0" anchor="ctr"/>
+            <a:lstStyle/>
+            <a:p>
+              <a:pPr algn="ctr"/>
+              <a:endParaRPr lang="en-US"/>
+            </a:p>
+          </p:txBody>
+        </p:sp>
+        <p:sp>
+          <p:nvSpPr>
+            <p:cNvPr id="32" name="Isosceles Triangle 31">
+              <a:extLst>
+                <a:ext uri="{FF2B5EF4-FFF2-40B4-BE49-F238E27FC236}">
+                  <a16:creationId xmlns:a16="http://schemas.microsoft.com/office/drawing/2014/main" id="{2362A495-F8EC-1BC1-0202-09C06478558C}"/>
+                </a:ext>
+              </a:extLst>
+            </p:cNvPr>
+            <p:cNvSpPr/>
+            <p:nvPr/>
+          </p:nvSpPr>
+          <p:spPr>
+            <a:xfrm flipV="1">
+              <a:off x="4826575" y="2802834"/>
+              <a:ext cx="495591" cy="542125"/>
+            </a:xfrm>
+            <a:prstGeom prst="triangle">
+              <a:avLst/>
+            </a:prstGeom>
+          </p:spPr>
+          <p:style>
+            <a:lnRef idx="2">
+              <a:schemeClr val="dk1">
+                <a:shade val="50000"/>
+              </a:schemeClr>
+            </a:lnRef>
+            <a:fillRef idx="1">
+              <a:schemeClr val="dk1"/>
+            </a:fillRef>
+            <a:effectRef idx="0">
+              <a:schemeClr val="dk1"/>
+            </a:effectRef>
+            <a:fontRef idx="minor">
+              <a:schemeClr val="lt1"/>
+            </a:fontRef>
+          </p:style>
+          <p:txBody>
+            <a:bodyPr rtlCol="0" anchor="ctr"/>
+            <a:lstStyle/>
+            <a:p>
+              <a:pPr algn="ctr"/>
+              <a:endParaRPr lang="en-US"/>
+            </a:p>
+          </p:txBody>
+        </p:sp>
+      </p:grpSp>
+      <p:grpSp>
+        <p:nvGrpSpPr>
+          <p:cNvPr id="88" name="Group 87">
+            <a:extLst>
+              <a:ext uri="{FF2B5EF4-FFF2-40B4-BE49-F238E27FC236}">
+                <a16:creationId xmlns:a16="http://schemas.microsoft.com/office/drawing/2014/main" id="{69349EF8-B24F-47B1-9CF6-BFE14EA4CA5A}"/>
+              </a:ext>
+            </a:extLst>
+          </p:cNvPr>
+          <p:cNvGrpSpPr/>
+          <p:nvPr/>
+        </p:nvGrpSpPr>
+        <p:grpSpPr>
+          <a:xfrm>
+            <a:off x="3412536" y="137980"/>
+            <a:ext cx="2849067" cy="3184116"/>
+            <a:chOff x="3412536" y="137980"/>
+            <a:chExt cx="2849067" cy="3184116"/>
+          </a:xfrm>
+        </p:grpSpPr>
+        <p:sp>
+          <p:nvSpPr>
+            <p:cNvPr id="17" name="Isosceles Triangle 16">
+              <a:extLst>
+                <a:ext uri="{FF2B5EF4-FFF2-40B4-BE49-F238E27FC236}">
+                  <a16:creationId xmlns:a16="http://schemas.microsoft.com/office/drawing/2014/main" id="{1C21A729-E1EB-507F-605E-32D49B54B865}"/>
+                </a:ext>
+              </a:extLst>
+            </p:cNvPr>
+            <p:cNvSpPr/>
+            <p:nvPr/>
+          </p:nvSpPr>
+          <p:spPr>
+            <a:xfrm flipV="1">
+              <a:off x="4589352" y="137980"/>
+              <a:ext cx="495591" cy="542125"/>
+            </a:xfrm>
+            <a:prstGeom prst="triangle">
+              <a:avLst/>
+            </a:prstGeom>
+          </p:spPr>
+          <p:style>
+            <a:lnRef idx="2">
+              <a:schemeClr val="dk1">
+                <a:shade val="50000"/>
+              </a:schemeClr>
+            </a:lnRef>
+            <a:fillRef idx="1">
+              <a:schemeClr val="dk1"/>
+            </a:fillRef>
+            <a:effectRef idx="0">
+              <a:schemeClr val="dk1"/>
+            </a:effectRef>
+            <a:fontRef idx="minor">
+              <a:schemeClr val="lt1"/>
+            </a:fontRef>
+          </p:style>
+          <p:txBody>
+            <a:bodyPr rtlCol="0" anchor="ctr"/>
+            <a:lstStyle/>
+            <a:p>
+              <a:pPr algn="ctr"/>
+              <a:endParaRPr lang="en-US"/>
+            </a:p>
+          </p:txBody>
+        </p:sp>
+        <p:sp>
+          <p:nvSpPr>
+            <p:cNvPr id="34" name="Isosceles Triangle 33">
+              <a:extLst>
+                <a:ext uri="{FF2B5EF4-FFF2-40B4-BE49-F238E27FC236}">
+                  <a16:creationId xmlns:a16="http://schemas.microsoft.com/office/drawing/2014/main" id="{522DCEDE-BD39-11DA-CC71-FD223C755B67}"/>
+                </a:ext>
+              </a:extLst>
+            </p:cNvPr>
+            <p:cNvSpPr/>
+            <p:nvPr/>
+          </p:nvSpPr>
+          <p:spPr>
+            <a:xfrm flipV="1">
+              <a:off x="5766012" y="1486060"/>
+              <a:ext cx="495591" cy="542125"/>
+            </a:xfrm>
+            <a:prstGeom prst="triangle">
+              <a:avLst/>
+            </a:prstGeom>
+          </p:spPr>
+          <p:style>
+            <a:lnRef idx="2">
+              <a:schemeClr val="dk1">
+                <a:shade val="50000"/>
+              </a:schemeClr>
+            </a:lnRef>
+            <a:fillRef idx="1">
+              <a:schemeClr val="dk1"/>
+            </a:fillRef>
+            <a:effectRef idx="0">
+              <a:schemeClr val="dk1"/>
+            </a:effectRef>
+            <a:fontRef idx="minor">
+              <a:schemeClr val="lt1"/>
+            </a:fontRef>
+          </p:style>
+          <p:txBody>
+            <a:bodyPr rtlCol="0" anchor="ctr"/>
+            <a:lstStyle/>
+            <a:p>
+              <a:pPr algn="ctr"/>
+              <a:endParaRPr lang="en-US"/>
+            </a:p>
+          </p:txBody>
+        </p:sp>
+        <p:sp>
+          <p:nvSpPr>
+            <p:cNvPr id="69" name="Isosceles Triangle 68">
+              <a:extLst>
+                <a:ext uri="{FF2B5EF4-FFF2-40B4-BE49-F238E27FC236}">
+                  <a16:creationId xmlns:a16="http://schemas.microsoft.com/office/drawing/2014/main" id="{05F077CD-0E51-5C4F-2A57-1304B4F9E20C}"/>
+                </a:ext>
+              </a:extLst>
+            </p:cNvPr>
+            <p:cNvSpPr/>
+            <p:nvPr/>
+          </p:nvSpPr>
+          <p:spPr>
+            <a:xfrm flipV="1">
+              <a:off x="3412536" y="1486059"/>
+              <a:ext cx="495591" cy="542125"/>
+            </a:xfrm>
+            <a:prstGeom prst="triangle">
+              <a:avLst/>
+            </a:prstGeom>
+          </p:spPr>
+          <p:style>
+            <a:lnRef idx="2">
+              <a:schemeClr val="dk1">
+                <a:shade val="50000"/>
+              </a:schemeClr>
+            </a:lnRef>
+            <a:fillRef idx="1">
+              <a:schemeClr val="dk1"/>
+            </a:fillRef>
+            <a:effectRef idx="0">
+              <a:schemeClr val="dk1"/>
+            </a:effectRef>
+            <a:fontRef idx="minor">
+              <a:schemeClr val="lt1"/>
+            </a:fontRef>
+          </p:style>
+          <p:txBody>
+            <a:bodyPr rtlCol="0" anchor="ctr"/>
+            <a:lstStyle/>
+            <a:p>
+              <a:pPr algn="ctr"/>
+              <a:endParaRPr lang="en-US"/>
+            </a:p>
+          </p:txBody>
+        </p:sp>
+        <p:sp>
+          <p:nvSpPr>
+            <p:cNvPr id="72" name="Isosceles Triangle 71">
+              <a:extLst>
+                <a:ext uri="{FF2B5EF4-FFF2-40B4-BE49-F238E27FC236}">
+                  <a16:creationId xmlns:a16="http://schemas.microsoft.com/office/drawing/2014/main" id="{A69961AB-0224-0296-1D98-D3B5DEC050E0}"/>
+                </a:ext>
+              </a:extLst>
+            </p:cNvPr>
+            <p:cNvSpPr/>
+            <p:nvPr/>
+          </p:nvSpPr>
+          <p:spPr>
+            <a:xfrm flipV="1">
+              <a:off x="4615274" y="2779971"/>
+              <a:ext cx="495591" cy="542125"/>
+            </a:xfrm>
+            <a:prstGeom prst="triangle">
+              <a:avLst/>
+            </a:prstGeom>
+          </p:spPr>
+          <p:style>
+            <a:lnRef idx="2">
+              <a:schemeClr val="dk1">
+                <a:shade val="50000"/>
+              </a:schemeClr>
+            </a:lnRef>
+            <a:fillRef idx="1">
+              <a:schemeClr val="dk1"/>
+            </a:fillRef>
+            <a:effectRef idx="0">
+              <a:schemeClr val="dk1"/>
+            </a:effectRef>
+            <a:fontRef idx="minor">
+              <a:schemeClr val="lt1"/>
+            </a:fontRef>
+          </p:style>
+          <p:txBody>
+            <a:bodyPr rtlCol="0" anchor="ctr"/>
+            <a:lstStyle/>
+            <a:p>
+              <a:pPr algn="ctr"/>
+              <a:endParaRPr lang="en-US"/>
+            </a:p>
+          </p:txBody>
+        </p:sp>
+      </p:grpSp>
+      <p:grpSp>
+        <p:nvGrpSpPr>
+          <p:cNvPr id="89" name="Group 88">
+            <a:extLst>
+              <a:ext uri="{FF2B5EF4-FFF2-40B4-BE49-F238E27FC236}">
+                <a16:creationId xmlns:a16="http://schemas.microsoft.com/office/drawing/2014/main" id="{D48BA5AE-FC60-DB28-7D8B-293A1F4AD75E}"/>
+              </a:ext>
+            </a:extLst>
+          </p:cNvPr>
+          <p:cNvGrpSpPr/>
+          <p:nvPr/>
+        </p:nvGrpSpPr>
+        <p:grpSpPr>
+          <a:xfrm>
+            <a:off x="3412536" y="4111486"/>
+            <a:ext cx="2344269" cy="2529955"/>
+            <a:chOff x="3412536" y="4111486"/>
+            <a:chExt cx="2344269" cy="2529955"/>
+          </a:xfrm>
+        </p:grpSpPr>
+        <p:sp>
+          <p:nvSpPr>
+            <p:cNvPr id="76" name="Isosceles Triangle 75">
+              <a:extLst>
+                <a:ext uri="{FF2B5EF4-FFF2-40B4-BE49-F238E27FC236}">
+                  <a16:creationId xmlns:a16="http://schemas.microsoft.com/office/drawing/2014/main" id="{5C6EFB32-F0FE-63BA-1B54-E241F285ECFA}"/>
+                </a:ext>
+              </a:extLst>
+            </p:cNvPr>
+            <p:cNvSpPr/>
+            <p:nvPr/>
+          </p:nvSpPr>
+          <p:spPr>
+            <a:xfrm>
+              <a:off x="3412536" y="4111489"/>
+              <a:ext cx="495591" cy="542125"/>
+            </a:xfrm>
+            <a:prstGeom prst="triangle">
+              <a:avLst/>
+            </a:prstGeom>
+          </p:spPr>
+          <p:style>
+            <a:lnRef idx="2">
+              <a:schemeClr val="dk1">
+                <a:shade val="50000"/>
+              </a:schemeClr>
+            </a:lnRef>
+            <a:fillRef idx="1">
+              <a:schemeClr val="dk1"/>
+            </a:fillRef>
+            <a:effectRef idx="0">
+              <a:schemeClr val="dk1"/>
+            </a:effectRef>
+            <a:fontRef idx="minor">
+              <a:schemeClr val="lt1"/>
+            </a:fontRef>
+          </p:style>
+          <p:txBody>
+            <a:bodyPr rtlCol="0" anchor="ctr"/>
+            <a:lstStyle/>
+            <a:p>
+              <a:pPr algn="ctr"/>
+              <a:endParaRPr lang="en-US"/>
+            </a:p>
+          </p:txBody>
+        </p:sp>
+        <p:sp>
+          <p:nvSpPr>
+            <p:cNvPr id="79" name="Isosceles Triangle 78">
+              <a:extLst>
+                <a:ext uri="{FF2B5EF4-FFF2-40B4-BE49-F238E27FC236}">
+                  <a16:creationId xmlns:a16="http://schemas.microsoft.com/office/drawing/2014/main" id="{E43F188C-27BB-BC5A-2B9E-48A4C4603628}"/>
+                </a:ext>
+              </a:extLst>
+            </p:cNvPr>
+            <p:cNvSpPr/>
+            <p:nvPr/>
+          </p:nvSpPr>
+          <p:spPr>
+            <a:xfrm>
+              <a:off x="5261214" y="4111486"/>
+              <a:ext cx="495591" cy="542125"/>
+            </a:xfrm>
+            <a:prstGeom prst="triangle">
+              <a:avLst/>
+            </a:prstGeom>
+          </p:spPr>
+          <p:style>
+            <a:lnRef idx="2">
+              <a:schemeClr val="dk1">
+                <a:shade val="50000"/>
+              </a:schemeClr>
+            </a:lnRef>
+            <a:fillRef idx="1">
+              <a:schemeClr val="dk1"/>
+            </a:fillRef>
+            <a:effectRef idx="0">
+              <a:schemeClr val="dk1"/>
+            </a:effectRef>
+            <a:fontRef idx="minor">
+              <a:schemeClr val="lt1"/>
+            </a:fontRef>
+          </p:style>
+          <p:txBody>
+            <a:bodyPr rtlCol="0" anchor="ctr"/>
+            <a:lstStyle/>
+            <a:p>
+              <a:pPr algn="ctr"/>
+              <a:endParaRPr lang="en-US"/>
+            </a:p>
+          </p:txBody>
+        </p:sp>
+        <p:sp>
+          <p:nvSpPr>
+            <p:cNvPr id="82" name="Isosceles Triangle 81">
+              <a:extLst>
+                <a:ext uri="{FF2B5EF4-FFF2-40B4-BE49-F238E27FC236}">
+                  <a16:creationId xmlns:a16="http://schemas.microsoft.com/office/drawing/2014/main" id="{1C6797EB-8226-1370-BA8D-FDB2952A8563}"/>
+                </a:ext>
+              </a:extLst>
+            </p:cNvPr>
+            <p:cNvSpPr/>
+            <p:nvPr/>
+          </p:nvSpPr>
+          <p:spPr>
+            <a:xfrm>
+              <a:off x="3412536" y="6099316"/>
+              <a:ext cx="495591" cy="542125"/>
+            </a:xfrm>
+            <a:prstGeom prst="triangle">
+              <a:avLst/>
+            </a:prstGeom>
+          </p:spPr>
+          <p:style>
+            <a:lnRef idx="2">
+              <a:schemeClr val="dk1">
+                <a:shade val="50000"/>
+              </a:schemeClr>
+            </a:lnRef>
+            <a:fillRef idx="1">
+              <a:schemeClr val="dk1"/>
+            </a:fillRef>
+            <a:effectRef idx="0">
+              <a:schemeClr val="dk1"/>
+            </a:effectRef>
+            <a:fontRef idx="minor">
+              <a:schemeClr val="lt1"/>
+            </a:fontRef>
+          </p:style>
+          <p:txBody>
+            <a:bodyPr rtlCol="0" anchor="ctr"/>
+            <a:lstStyle/>
+            <a:p>
+              <a:pPr algn="ctr"/>
+              <a:endParaRPr lang="en-US"/>
+            </a:p>
+          </p:txBody>
+        </p:sp>
+        <p:sp>
+          <p:nvSpPr>
+            <p:cNvPr id="85" name="Isosceles Triangle 84">
+              <a:extLst>
+                <a:ext uri="{FF2B5EF4-FFF2-40B4-BE49-F238E27FC236}">
+                  <a16:creationId xmlns:a16="http://schemas.microsoft.com/office/drawing/2014/main" id="{047C4B08-C5AA-424A-527A-DAF8F66C7D86}"/>
+                </a:ext>
+              </a:extLst>
+            </p:cNvPr>
+            <p:cNvSpPr/>
+            <p:nvPr/>
+          </p:nvSpPr>
+          <p:spPr>
+            <a:xfrm>
+              <a:off x="5261214" y="6099313"/>
+              <a:ext cx="495591" cy="542125"/>
+            </a:xfrm>
+            <a:prstGeom prst="triangle">
+              <a:avLst/>
+            </a:prstGeom>
+          </p:spPr>
+          <p:style>
+            <a:lnRef idx="2">
+              <a:schemeClr val="dk1">
+                <a:shade val="50000"/>
+              </a:schemeClr>
+            </a:lnRef>
+            <a:fillRef idx="1">
+              <a:schemeClr val="dk1"/>
+            </a:fillRef>
+            <a:effectRef idx="0">
+              <a:schemeClr val="dk1"/>
+            </a:effectRef>
+            <a:fontRef idx="minor">
+              <a:schemeClr val="lt1"/>
+            </a:fontRef>
+          </p:style>
+          <p:txBody>
+            <a:bodyPr rtlCol="0" anchor="ctr"/>
+            <a:lstStyle/>
+            <a:p>
+              <a:pPr algn="ctr"/>
+              <a:endParaRPr lang="en-US" dirty="0"/>
+            </a:p>
+          </p:txBody>
+        </p:sp>
+      </p:grpSp>
+      <p:sp>
+        <p:nvSpPr>
+          <p:cNvPr id="90" name="Isosceles Triangle 89">
+            <a:extLst>
+              <a:ext uri="{FF2B5EF4-FFF2-40B4-BE49-F238E27FC236}">
+                <a16:creationId xmlns:a16="http://schemas.microsoft.com/office/drawing/2014/main" id="{1C2C998F-1696-947C-DDF2-277810330C0E}"/>
+              </a:ext>
+            </a:extLst>
+          </p:cNvPr>
+          <p:cNvSpPr/>
+          <p:nvPr/>
+        </p:nvSpPr>
+        <p:spPr>
+          <a:xfrm>
+            <a:off x="7567093" y="5072548"/>
+            <a:ext cx="495591" cy="542125"/>
+          </a:xfrm>
+          <a:prstGeom prst="triangle">
+            <a:avLst/>
+          </a:prstGeom>
+        </p:spPr>
+        <p:style>
+          <a:lnRef idx="2">
+            <a:schemeClr val="dk1">
+              <a:shade val="50000"/>
+            </a:schemeClr>
+          </a:lnRef>
+          <a:fillRef idx="1">
+            <a:schemeClr val="dk1"/>
+          </a:fillRef>
+          <a:effectRef idx="0">
+            <a:schemeClr val="dk1"/>
+          </a:effectRef>
+          <a:fontRef idx="minor">
+            <a:schemeClr val="lt1"/>
+          </a:fontRef>
+        </p:style>
+        <p:txBody>
+          <a:bodyPr rtlCol="0" anchor="ctr"/>
+          <a:lstStyle/>
+          <a:p>
+            <a:pPr algn="ctr"/>
+            <a:endParaRPr lang="en-US"/>
+          </a:p>
+        </p:txBody>
+      </p:sp>
+      <p:sp>
+        <p:nvSpPr>
+          <p:cNvPr id="91" name="Isosceles Triangle 90">
+            <a:extLst>
+              <a:ext uri="{FF2B5EF4-FFF2-40B4-BE49-F238E27FC236}">
+                <a16:creationId xmlns:a16="http://schemas.microsoft.com/office/drawing/2014/main" id="{3E6C1126-4893-6B5C-BBB7-FF20AD2816AA}"/>
+              </a:ext>
+            </a:extLst>
+          </p:cNvPr>
+          <p:cNvSpPr/>
+          <p:nvPr/>
+        </p:nvSpPr>
+        <p:spPr>
+          <a:xfrm flipV="1">
+            <a:off x="7650352" y="1409254"/>
+            <a:ext cx="495591" cy="542125"/>
+          </a:xfrm>
+          <a:prstGeom prst="triangle">
+            <a:avLst/>
+          </a:prstGeom>
+        </p:spPr>
+        <p:style>
+          <a:lnRef idx="2">
+            <a:schemeClr val="dk1">
+              <a:shade val="50000"/>
+            </a:schemeClr>
+          </a:lnRef>
+          <a:fillRef idx="1">
+            <a:schemeClr val="dk1"/>
+          </a:fillRef>
+          <a:effectRef idx="0">
+            <a:schemeClr val="dk1"/>
+          </a:effectRef>
+          <a:fontRef idx="minor">
+            <a:schemeClr val="lt1"/>
+          </a:fontRef>
+        </p:style>
+        <p:txBody>
+          <a:bodyPr rtlCol="0" anchor="ctr"/>
+          <a:lstStyle/>
+          <a:p>
+            <a:pPr algn="ctr"/>
+            <a:endParaRPr lang="en-US"/>
+          </a:p>
+        </p:txBody>
+      </p:sp>
+      <p:grpSp>
+        <p:nvGrpSpPr>
+          <p:cNvPr id="92" name="Group 91">
+            <a:extLst>
+              <a:ext uri="{FF2B5EF4-FFF2-40B4-BE49-F238E27FC236}">
+                <a16:creationId xmlns:a16="http://schemas.microsoft.com/office/drawing/2014/main" id="{EED377F1-CB9E-0854-82BF-A1F01D4BE37A}"/>
+              </a:ext>
+            </a:extLst>
+          </p:cNvPr>
+          <p:cNvGrpSpPr/>
+          <p:nvPr/>
+        </p:nvGrpSpPr>
+        <p:grpSpPr>
+          <a:xfrm rot="10800000">
+            <a:off x="8943605" y="359321"/>
+            <a:ext cx="2849067" cy="3184116"/>
+            <a:chOff x="3412536" y="137980"/>
+            <a:chExt cx="2849067" cy="3184116"/>
+          </a:xfrm>
+        </p:grpSpPr>
+        <p:sp>
+          <p:nvSpPr>
+            <p:cNvPr id="93" name="Isosceles Triangle 92">
+              <a:extLst>
+                <a:ext uri="{FF2B5EF4-FFF2-40B4-BE49-F238E27FC236}">
+                  <a16:creationId xmlns:a16="http://schemas.microsoft.com/office/drawing/2014/main" id="{8CB0D57A-1D63-2050-D8DC-874027B48899}"/>
+                </a:ext>
+              </a:extLst>
+            </p:cNvPr>
+            <p:cNvSpPr/>
+            <p:nvPr/>
+          </p:nvSpPr>
+          <p:spPr>
+            <a:xfrm flipV="1">
+              <a:off x="4589352" y="137980"/>
+              <a:ext cx="495591" cy="542125"/>
+            </a:xfrm>
+            <a:prstGeom prst="triangle">
+              <a:avLst/>
+            </a:prstGeom>
+          </p:spPr>
+          <p:style>
+            <a:lnRef idx="2">
+              <a:schemeClr val="dk1">
+                <a:shade val="50000"/>
+              </a:schemeClr>
+            </a:lnRef>
+            <a:fillRef idx="1">
+              <a:schemeClr val="dk1"/>
+            </a:fillRef>
+            <a:effectRef idx="0">
+              <a:schemeClr val="dk1"/>
+            </a:effectRef>
+            <a:fontRef idx="minor">
+              <a:schemeClr val="lt1"/>
+            </a:fontRef>
+          </p:style>
+          <p:txBody>
+            <a:bodyPr rtlCol="0" anchor="ctr"/>
+            <a:lstStyle/>
+            <a:p>
+              <a:pPr algn="ctr"/>
+              <a:endParaRPr lang="en-US"/>
+            </a:p>
+          </p:txBody>
+        </p:sp>
+        <p:sp>
+          <p:nvSpPr>
+            <p:cNvPr id="94" name="Isosceles Triangle 93">
+              <a:extLst>
+                <a:ext uri="{FF2B5EF4-FFF2-40B4-BE49-F238E27FC236}">
+                  <a16:creationId xmlns:a16="http://schemas.microsoft.com/office/drawing/2014/main" id="{476554CA-061E-34C9-A922-A21BDE9F3C2A}"/>
+                </a:ext>
+              </a:extLst>
+            </p:cNvPr>
+            <p:cNvSpPr/>
+            <p:nvPr/>
+          </p:nvSpPr>
+          <p:spPr>
+            <a:xfrm flipV="1">
+              <a:off x="5766012" y="1486060"/>
+              <a:ext cx="495591" cy="542125"/>
+            </a:xfrm>
+            <a:prstGeom prst="triangle">
+              <a:avLst/>
+            </a:prstGeom>
+          </p:spPr>
+          <p:style>
+            <a:lnRef idx="2">
+              <a:schemeClr val="dk1">
+                <a:shade val="50000"/>
+              </a:schemeClr>
+            </a:lnRef>
+            <a:fillRef idx="1">
+              <a:schemeClr val="dk1"/>
+            </a:fillRef>
+            <a:effectRef idx="0">
+              <a:schemeClr val="dk1"/>
+            </a:effectRef>
+            <a:fontRef idx="minor">
+              <a:schemeClr val="lt1"/>
+            </a:fontRef>
+          </p:style>
+          <p:txBody>
+            <a:bodyPr rtlCol="0" anchor="ctr"/>
+            <a:lstStyle/>
+            <a:p>
+              <a:pPr algn="ctr"/>
+              <a:endParaRPr lang="en-US"/>
+            </a:p>
+          </p:txBody>
+        </p:sp>
+        <p:sp>
+          <p:nvSpPr>
+            <p:cNvPr id="95" name="Isosceles Triangle 94">
+              <a:extLst>
+                <a:ext uri="{FF2B5EF4-FFF2-40B4-BE49-F238E27FC236}">
+                  <a16:creationId xmlns:a16="http://schemas.microsoft.com/office/drawing/2014/main" id="{62850E42-41C2-A31E-B3C8-835DF3C3244E}"/>
+                </a:ext>
+              </a:extLst>
+            </p:cNvPr>
+            <p:cNvSpPr/>
+            <p:nvPr/>
+          </p:nvSpPr>
+          <p:spPr>
+            <a:xfrm flipV="1">
+              <a:off x="3412536" y="1486059"/>
+              <a:ext cx="495591" cy="542125"/>
+            </a:xfrm>
+            <a:prstGeom prst="triangle">
+              <a:avLst/>
+            </a:prstGeom>
+          </p:spPr>
+          <p:style>
+            <a:lnRef idx="2">
+              <a:schemeClr val="dk1">
+                <a:shade val="50000"/>
+              </a:schemeClr>
+            </a:lnRef>
+            <a:fillRef idx="1">
+              <a:schemeClr val="dk1"/>
+            </a:fillRef>
+            <a:effectRef idx="0">
+              <a:schemeClr val="dk1"/>
+            </a:effectRef>
+            <a:fontRef idx="minor">
+              <a:schemeClr val="lt1"/>
+            </a:fontRef>
+          </p:style>
+          <p:txBody>
+            <a:bodyPr rtlCol="0" anchor="ctr"/>
+            <a:lstStyle/>
+            <a:p>
+              <a:pPr algn="ctr"/>
+              <a:endParaRPr lang="en-US"/>
+            </a:p>
+          </p:txBody>
+        </p:sp>
+        <p:sp>
+          <p:nvSpPr>
+            <p:cNvPr id="96" name="Isosceles Triangle 95">
+              <a:extLst>
+                <a:ext uri="{FF2B5EF4-FFF2-40B4-BE49-F238E27FC236}">
+                  <a16:creationId xmlns:a16="http://schemas.microsoft.com/office/drawing/2014/main" id="{E74DFA36-FEE7-2098-8565-B6703B8B3C47}"/>
+                </a:ext>
+              </a:extLst>
+            </p:cNvPr>
+            <p:cNvSpPr/>
+            <p:nvPr/>
+          </p:nvSpPr>
+          <p:spPr>
+            <a:xfrm flipV="1">
+              <a:off x="4615274" y="2779971"/>
+              <a:ext cx="495591" cy="542125"/>
+            </a:xfrm>
+            <a:prstGeom prst="triangle">
+              <a:avLst/>
+            </a:prstGeom>
+          </p:spPr>
+          <p:style>
+            <a:lnRef idx="2">
+              <a:schemeClr val="dk1">
+                <a:shade val="50000"/>
+              </a:schemeClr>
+            </a:lnRef>
+            <a:fillRef idx="1">
+              <a:schemeClr val="dk1"/>
+            </a:fillRef>
+            <a:effectRef idx="0">
+              <a:schemeClr val="dk1"/>
+            </a:effectRef>
+            <a:fontRef idx="minor">
+              <a:schemeClr val="lt1"/>
+            </a:fontRef>
+          </p:style>
+          <p:txBody>
+            <a:bodyPr rtlCol="0" anchor="ctr"/>
+            <a:lstStyle/>
+            <a:p>
+              <a:pPr algn="ctr"/>
+              <a:endParaRPr lang="en-US"/>
+            </a:p>
+          </p:txBody>
+        </p:sp>
+      </p:grpSp>
+      <p:grpSp>
+        <p:nvGrpSpPr>
+          <p:cNvPr id="97" name="Group 96">
+            <a:extLst>
+              <a:ext uri="{FF2B5EF4-FFF2-40B4-BE49-F238E27FC236}">
+                <a16:creationId xmlns:a16="http://schemas.microsoft.com/office/drawing/2014/main" id="{0D820333-382B-248A-80DC-704730A363C9}"/>
+              </a:ext>
+            </a:extLst>
+          </p:cNvPr>
+          <p:cNvGrpSpPr/>
+          <p:nvPr/>
+        </p:nvGrpSpPr>
+        <p:grpSpPr>
+          <a:xfrm rot="10800000">
+            <a:off x="9170003" y="4111483"/>
+            <a:ext cx="2344269" cy="2529955"/>
+            <a:chOff x="3412536" y="4111486"/>
+            <a:chExt cx="2344269" cy="2529955"/>
+          </a:xfrm>
+        </p:grpSpPr>
+        <p:sp>
+          <p:nvSpPr>
+            <p:cNvPr id="98" name="Isosceles Triangle 97">
+              <a:extLst>
+                <a:ext uri="{FF2B5EF4-FFF2-40B4-BE49-F238E27FC236}">
+                  <a16:creationId xmlns:a16="http://schemas.microsoft.com/office/drawing/2014/main" id="{C1719794-8529-FC11-7A85-B88F5133551E}"/>
+                </a:ext>
+              </a:extLst>
+            </p:cNvPr>
+            <p:cNvSpPr/>
+            <p:nvPr/>
+          </p:nvSpPr>
+          <p:spPr>
+            <a:xfrm>
+              <a:off x="3412536" y="4111489"/>
+              <a:ext cx="495591" cy="542125"/>
+            </a:xfrm>
+            <a:prstGeom prst="triangle">
+              <a:avLst/>
+            </a:prstGeom>
+          </p:spPr>
+          <p:style>
+            <a:lnRef idx="2">
+              <a:schemeClr val="dk1">
+                <a:shade val="50000"/>
+              </a:schemeClr>
+            </a:lnRef>
+            <a:fillRef idx="1">
+              <a:schemeClr val="dk1"/>
+            </a:fillRef>
+            <a:effectRef idx="0">
+              <a:schemeClr val="dk1"/>
+            </a:effectRef>
+            <a:fontRef idx="minor">
+              <a:schemeClr val="lt1"/>
+            </a:fontRef>
+          </p:style>
+          <p:txBody>
+            <a:bodyPr rtlCol="0" anchor="ctr"/>
+            <a:lstStyle/>
+            <a:p>
+              <a:pPr algn="ctr"/>
+              <a:endParaRPr lang="en-US"/>
+            </a:p>
+          </p:txBody>
+        </p:sp>
+        <p:sp>
+          <p:nvSpPr>
+            <p:cNvPr id="99" name="Isosceles Triangle 98">
+              <a:extLst>
+                <a:ext uri="{FF2B5EF4-FFF2-40B4-BE49-F238E27FC236}">
+                  <a16:creationId xmlns:a16="http://schemas.microsoft.com/office/drawing/2014/main" id="{97A24A9F-97E7-1E44-4D2B-BC436B1246CF}"/>
+                </a:ext>
+              </a:extLst>
+            </p:cNvPr>
+            <p:cNvSpPr/>
+            <p:nvPr/>
+          </p:nvSpPr>
+          <p:spPr>
+            <a:xfrm>
+              <a:off x="5261214" y="4111486"/>
+              <a:ext cx="495591" cy="542125"/>
+            </a:xfrm>
+            <a:prstGeom prst="triangle">
+              <a:avLst/>
+            </a:prstGeom>
+          </p:spPr>
+          <p:style>
+            <a:lnRef idx="2">
+              <a:schemeClr val="dk1">
+                <a:shade val="50000"/>
+              </a:schemeClr>
+            </a:lnRef>
+            <a:fillRef idx="1">
+              <a:schemeClr val="dk1"/>
+            </a:fillRef>
+            <a:effectRef idx="0">
+              <a:schemeClr val="dk1"/>
+            </a:effectRef>
+            <a:fontRef idx="minor">
+              <a:schemeClr val="lt1"/>
+            </a:fontRef>
+          </p:style>
+          <p:txBody>
+            <a:bodyPr rtlCol="0" anchor="ctr"/>
+            <a:lstStyle/>
+            <a:p>
+              <a:pPr algn="ctr"/>
+              <a:endParaRPr lang="en-US"/>
+            </a:p>
+          </p:txBody>
+        </p:sp>
+        <p:sp>
+          <p:nvSpPr>
+            <p:cNvPr id="100" name="Isosceles Triangle 99">
+              <a:extLst>
+                <a:ext uri="{FF2B5EF4-FFF2-40B4-BE49-F238E27FC236}">
+                  <a16:creationId xmlns:a16="http://schemas.microsoft.com/office/drawing/2014/main" id="{F6C82D47-E1C9-C096-78B7-A9E6815D0C2E}"/>
+                </a:ext>
+              </a:extLst>
+            </p:cNvPr>
+            <p:cNvSpPr/>
+            <p:nvPr/>
+          </p:nvSpPr>
+          <p:spPr>
+            <a:xfrm>
+              <a:off x="3412536" y="6099316"/>
+              <a:ext cx="495591" cy="542125"/>
+            </a:xfrm>
+            <a:prstGeom prst="triangle">
+              <a:avLst/>
+            </a:prstGeom>
+          </p:spPr>
+          <p:style>
+            <a:lnRef idx="2">
+              <a:schemeClr val="dk1">
+                <a:shade val="50000"/>
+              </a:schemeClr>
+            </a:lnRef>
+            <a:fillRef idx="1">
+              <a:schemeClr val="dk1"/>
+            </a:fillRef>
+            <a:effectRef idx="0">
+              <a:schemeClr val="dk1"/>
+            </a:effectRef>
+            <a:fontRef idx="minor">
+              <a:schemeClr val="lt1"/>
+            </a:fontRef>
+          </p:style>
+          <p:txBody>
+            <a:bodyPr rtlCol="0" anchor="ctr"/>
+            <a:lstStyle/>
+            <a:p>
+              <a:pPr algn="ctr"/>
+              <a:endParaRPr lang="en-US"/>
+            </a:p>
+          </p:txBody>
+        </p:sp>
+        <p:sp>
+          <p:nvSpPr>
+            <p:cNvPr id="101" name="Isosceles Triangle 100">
+              <a:extLst>
+                <a:ext uri="{FF2B5EF4-FFF2-40B4-BE49-F238E27FC236}">
+                  <a16:creationId xmlns:a16="http://schemas.microsoft.com/office/drawing/2014/main" id="{DF0CEEB1-442A-D117-7AB3-FFF30542DD04}"/>
+                </a:ext>
+              </a:extLst>
+            </p:cNvPr>
+            <p:cNvSpPr/>
+            <p:nvPr/>
+          </p:nvSpPr>
+          <p:spPr>
+            <a:xfrm>
+              <a:off x="5261214" y="6099313"/>
+              <a:ext cx="495591" cy="542125"/>
+            </a:xfrm>
+            <a:prstGeom prst="triangle">
+              <a:avLst/>
+            </a:prstGeom>
+          </p:spPr>
+          <p:style>
+            <a:lnRef idx="2">
+              <a:schemeClr val="dk1">
+                <a:shade val="50000"/>
+              </a:schemeClr>
+            </a:lnRef>
+            <a:fillRef idx="1">
+              <a:schemeClr val="dk1"/>
+            </a:fillRef>
+            <a:effectRef idx="0">
+              <a:schemeClr val="dk1"/>
+            </a:effectRef>
+            <a:fontRef idx="minor">
+              <a:schemeClr val="lt1"/>
+            </a:fontRef>
+          </p:style>
+          <p:txBody>
+            <a:bodyPr rtlCol="0" anchor="ctr"/>
+            <a:lstStyle/>
+            <a:p>
+              <a:pPr algn="ctr"/>
+              <a:endParaRPr lang="en-US" dirty="0"/>
+            </a:p>
+          </p:txBody>
+        </p:sp>
+      </p:grpSp>
+    </p:spTree>
+    <p:extLst>
+      <p:ext uri="{BB962C8B-B14F-4D97-AF65-F5344CB8AC3E}">
+        <p14:creationId xmlns:p14="http://schemas.microsoft.com/office/powerpoint/2010/main" val="2452747074"/>
+      </p:ext>
+    </p:extLst>
+  </p:cSld>
+  <p:clrMapOvr>
+    <a:masterClrMapping/>
+  </p:clrMapOvr>
+</p:sld>
+</file>
+
 <file path=ppt/theme/theme1.xml><?xml version="1.0" encoding="utf-8"?>
 <a:theme xmlns:a="http://schemas.openxmlformats.org/drawingml/2006/main" name="Office Theme">
   <a:themeElements>

--- a/image_ppt/image_template.pptx
+++ b/image_ppt/image_template.pptx
@@ -7,6 +7,7 @@
   <p:sldIdLst>
     <p:sldId id="256" r:id="rId2"/>
     <p:sldId id="257" r:id="rId3"/>
+    <p:sldId id="258" r:id="rId4"/>
   </p:sldIdLst>
   <p:sldSz cx="12192000" cy="6858000"/>
   <p:notesSz cx="6858000" cy="9144000"/>
@@ -8053,6 +8054,644 @@
 </p:sld>
 </file>
 
+<file path=ppt/slides/slide3.xml><?xml version="1.0" encoding="utf-8"?>
+<p:sld xmlns:a="http://schemas.openxmlformats.org/drawingml/2006/main" xmlns:r="http://schemas.openxmlformats.org/officeDocument/2006/relationships" xmlns:p="http://schemas.openxmlformats.org/presentationml/2006/main">
+  <p:cSld>
+    <p:spTree>
+      <p:nvGrpSpPr>
+        <p:cNvPr id="1" name=""/>
+        <p:cNvGrpSpPr/>
+        <p:nvPr/>
+      </p:nvGrpSpPr>
+      <p:grpSpPr>
+        <a:xfrm>
+          <a:off x="0" y="0"/>
+          <a:ext cx="0" cy="0"/>
+          <a:chOff x="0" y="0"/>
+          <a:chExt cx="0" cy="0"/>
+        </a:xfrm>
+      </p:grpSpPr>
+      <p:grpSp>
+        <p:nvGrpSpPr>
+          <p:cNvPr id="2" name="Group 1">
+            <a:extLst>
+              <a:ext uri="{FF2B5EF4-FFF2-40B4-BE49-F238E27FC236}">
+                <a16:creationId xmlns:a16="http://schemas.microsoft.com/office/drawing/2014/main" id="{CDFA329C-1B67-D77A-19C2-4480D18CF9C7}"/>
+              </a:ext>
+            </a:extLst>
+          </p:cNvPr>
+          <p:cNvGrpSpPr/>
+          <p:nvPr/>
+        </p:nvGrpSpPr>
+        <p:grpSpPr>
+          <a:xfrm>
+            <a:off x="1442875" y="458712"/>
+            <a:ext cx="2849067" cy="3184116"/>
+            <a:chOff x="1442875" y="458712"/>
+            <a:chExt cx="2849067" cy="3184116"/>
+          </a:xfrm>
+        </p:grpSpPr>
+        <p:sp>
+          <p:nvSpPr>
+            <p:cNvPr id="91" name="Isosceles Triangle 90">
+              <a:extLst>
+                <a:ext uri="{FF2B5EF4-FFF2-40B4-BE49-F238E27FC236}">
+                  <a16:creationId xmlns:a16="http://schemas.microsoft.com/office/drawing/2014/main" id="{3E6C1126-4893-6B5C-BBB7-FF20AD2816AA}"/>
+                </a:ext>
+              </a:extLst>
+            </p:cNvPr>
+            <p:cNvSpPr/>
+            <p:nvPr/>
+          </p:nvSpPr>
+          <p:spPr>
+            <a:xfrm flipV="1">
+              <a:off x="2619535" y="1779707"/>
+              <a:ext cx="495591" cy="542125"/>
+            </a:xfrm>
+            <a:prstGeom prst="triangle">
+              <a:avLst/>
+            </a:prstGeom>
+          </p:spPr>
+          <p:style>
+            <a:lnRef idx="2">
+              <a:schemeClr val="dk1">
+                <a:shade val="50000"/>
+              </a:schemeClr>
+            </a:lnRef>
+            <a:fillRef idx="1">
+              <a:schemeClr val="dk1"/>
+            </a:fillRef>
+            <a:effectRef idx="0">
+              <a:schemeClr val="dk1"/>
+            </a:effectRef>
+            <a:fontRef idx="minor">
+              <a:schemeClr val="lt1"/>
+            </a:fontRef>
+          </p:style>
+          <p:txBody>
+            <a:bodyPr rtlCol="0" anchor="ctr"/>
+            <a:lstStyle/>
+            <a:p>
+              <a:pPr algn="ctr"/>
+              <a:endParaRPr lang="en-US"/>
+            </a:p>
+          </p:txBody>
+        </p:sp>
+        <p:grpSp>
+          <p:nvGrpSpPr>
+            <p:cNvPr id="92" name="Group 91">
+              <a:extLst>
+                <a:ext uri="{FF2B5EF4-FFF2-40B4-BE49-F238E27FC236}">
+                  <a16:creationId xmlns:a16="http://schemas.microsoft.com/office/drawing/2014/main" id="{EED377F1-CB9E-0854-82BF-A1F01D4BE37A}"/>
+                </a:ext>
+              </a:extLst>
+            </p:cNvPr>
+            <p:cNvGrpSpPr/>
+            <p:nvPr/>
+          </p:nvGrpSpPr>
+          <p:grpSpPr>
+            <a:xfrm rot="10800000">
+              <a:off x="1442875" y="458712"/>
+              <a:ext cx="2849067" cy="3184116"/>
+              <a:chOff x="3412536" y="137980"/>
+              <a:chExt cx="2849067" cy="3184116"/>
+            </a:xfrm>
+          </p:grpSpPr>
+          <p:sp>
+            <p:nvSpPr>
+              <p:cNvPr id="93" name="Isosceles Triangle 92">
+                <a:extLst>
+                  <a:ext uri="{FF2B5EF4-FFF2-40B4-BE49-F238E27FC236}">
+                    <a16:creationId xmlns:a16="http://schemas.microsoft.com/office/drawing/2014/main" id="{8CB0D57A-1D63-2050-D8DC-874027B48899}"/>
+                  </a:ext>
+                </a:extLst>
+              </p:cNvPr>
+              <p:cNvSpPr/>
+              <p:nvPr/>
+            </p:nvSpPr>
+            <p:spPr>
+              <a:xfrm flipV="1">
+                <a:off x="4589352" y="137980"/>
+                <a:ext cx="495591" cy="542125"/>
+              </a:xfrm>
+              <a:prstGeom prst="triangle">
+                <a:avLst/>
+              </a:prstGeom>
+              <a:solidFill>
+                <a:schemeClr val="bg1"/>
+              </a:solidFill>
+              <a:ln>
+                <a:solidFill>
+                  <a:schemeClr val="bg1"/>
+                </a:solidFill>
+              </a:ln>
+            </p:spPr>
+            <p:style>
+              <a:lnRef idx="2">
+                <a:schemeClr val="dk1">
+                  <a:shade val="50000"/>
+                </a:schemeClr>
+              </a:lnRef>
+              <a:fillRef idx="1">
+                <a:schemeClr val="dk1"/>
+              </a:fillRef>
+              <a:effectRef idx="0">
+                <a:schemeClr val="dk1"/>
+              </a:effectRef>
+              <a:fontRef idx="minor">
+                <a:schemeClr val="lt1"/>
+              </a:fontRef>
+            </p:style>
+            <p:txBody>
+              <a:bodyPr rtlCol="0" anchor="ctr"/>
+              <a:lstStyle/>
+              <a:p>
+                <a:pPr algn="ctr"/>
+                <a:endParaRPr lang="en-US"/>
+              </a:p>
+            </p:txBody>
+          </p:sp>
+          <p:sp>
+            <p:nvSpPr>
+              <p:cNvPr id="94" name="Isosceles Triangle 93">
+                <a:extLst>
+                  <a:ext uri="{FF2B5EF4-FFF2-40B4-BE49-F238E27FC236}">
+                    <a16:creationId xmlns:a16="http://schemas.microsoft.com/office/drawing/2014/main" id="{476554CA-061E-34C9-A922-A21BDE9F3C2A}"/>
+                  </a:ext>
+                </a:extLst>
+              </p:cNvPr>
+              <p:cNvSpPr/>
+              <p:nvPr/>
+            </p:nvSpPr>
+            <p:spPr>
+              <a:xfrm flipV="1">
+                <a:off x="5766012" y="1486060"/>
+                <a:ext cx="495591" cy="542125"/>
+              </a:xfrm>
+              <a:prstGeom prst="triangle">
+                <a:avLst/>
+              </a:prstGeom>
+              <a:solidFill>
+                <a:schemeClr val="bg1"/>
+              </a:solidFill>
+              <a:ln>
+                <a:solidFill>
+                  <a:schemeClr val="bg1"/>
+                </a:solidFill>
+              </a:ln>
+            </p:spPr>
+            <p:style>
+              <a:lnRef idx="2">
+                <a:schemeClr val="dk1">
+                  <a:shade val="50000"/>
+                </a:schemeClr>
+              </a:lnRef>
+              <a:fillRef idx="1">
+                <a:schemeClr val="dk1"/>
+              </a:fillRef>
+              <a:effectRef idx="0">
+                <a:schemeClr val="dk1"/>
+              </a:effectRef>
+              <a:fontRef idx="minor">
+                <a:schemeClr val="lt1"/>
+              </a:fontRef>
+            </p:style>
+            <p:txBody>
+              <a:bodyPr rtlCol="0" anchor="ctr"/>
+              <a:lstStyle/>
+              <a:p>
+                <a:pPr algn="ctr"/>
+                <a:endParaRPr lang="en-US"/>
+              </a:p>
+            </p:txBody>
+          </p:sp>
+          <p:sp>
+            <p:nvSpPr>
+              <p:cNvPr id="95" name="Isosceles Triangle 94">
+                <a:extLst>
+                  <a:ext uri="{FF2B5EF4-FFF2-40B4-BE49-F238E27FC236}">
+                    <a16:creationId xmlns:a16="http://schemas.microsoft.com/office/drawing/2014/main" id="{62850E42-41C2-A31E-B3C8-835DF3C3244E}"/>
+                  </a:ext>
+                </a:extLst>
+              </p:cNvPr>
+              <p:cNvSpPr/>
+              <p:nvPr/>
+            </p:nvSpPr>
+            <p:spPr>
+              <a:xfrm flipV="1">
+                <a:off x="3412536" y="1486059"/>
+                <a:ext cx="495591" cy="542125"/>
+              </a:xfrm>
+              <a:prstGeom prst="triangle">
+                <a:avLst/>
+              </a:prstGeom>
+              <a:solidFill>
+                <a:schemeClr val="bg1"/>
+              </a:solidFill>
+              <a:ln>
+                <a:solidFill>
+                  <a:schemeClr val="bg1"/>
+                </a:solidFill>
+              </a:ln>
+            </p:spPr>
+            <p:style>
+              <a:lnRef idx="2">
+                <a:schemeClr val="dk1">
+                  <a:shade val="50000"/>
+                </a:schemeClr>
+              </a:lnRef>
+              <a:fillRef idx="1">
+                <a:schemeClr val="dk1"/>
+              </a:fillRef>
+              <a:effectRef idx="0">
+                <a:schemeClr val="dk1"/>
+              </a:effectRef>
+              <a:fontRef idx="minor">
+                <a:schemeClr val="lt1"/>
+              </a:fontRef>
+            </p:style>
+            <p:txBody>
+              <a:bodyPr rtlCol="0" anchor="ctr"/>
+              <a:lstStyle/>
+              <a:p>
+                <a:pPr algn="ctr"/>
+                <a:endParaRPr lang="en-US"/>
+              </a:p>
+            </p:txBody>
+          </p:sp>
+          <p:sp>
+            <p:nvSpPr>
+              <p:cNvPr id="96" name="Isosceles Triangle 95">
+                <a:extLst>
+                  <a:ext uri="{FF2B5EF4-FFF2-40B4-BE49-F238E27FC236}">
+                    <a16:creationId xmlns:a16="http://schemas.microsoft.com/office/drawing/2014/main" id="{E74DFA36-FEE7-2098-8565-B6703B8B3C47}"/>
+                  </a:ext>
+                </a:extLst>
+              </p:cNvPr>
+              <p:cNvSpPr/>
+              <p:nvPr/>
+            </p:nvSpPr>
+            <p:spPr>
+              <a:xfrm flipV="1">
+                <a:off x="4615274" y="2779971"/>
+                <a:ext cx="495591" cy="542125"/>
+              </a:xfrm>
+              <a:prstGeom prst="triangle">
+                <a:avLst/>
+              </a:prstGeom>
+              <a:solidFill>
+                <a:schemeClr val="bg1"/>
+              </a:solidFill>
+              <a:ln>
+                <a:solidFill>
+                  <a:schemeClr val="bg1"/>
+                </a:solidFill>
+              </a:ln>
+            </p:spPr>
+            <p:style>
+              <a:lnRef idx="2">
+                <a:schemeClr val="dk1">
+                  <a:shade val="50000"/>
+                </a:schemeClr>
+              </a:lnRef>
+              <a:fillRef idx="1">
+                <a:schemeClr val="dk1"/>
+              </a:fillRef>
+              <a:effectRef idx="0">
+                <a:schemeClr val="dk1"/>
+              </a:effectRef>
+              <a:fontRef idx="minor">
+                <a:schemeClr val="lt1"/>
+              </a:fontRef>
+            </p:style>
+            <p:txBody>
+              <a:bodyPr rtlCol="0" anchor="ctr"/>
+              <a:lstStyle/>
+              <a:p>
+                <a:pPr algn="ctr"/>
+                <a:endParaRPr lang="en-US"/>
+              </a:p>
+            </p:txBody>
+          </p:sp>
+        </p:grpSp>
+      </p:grpSp>
+      <p:grpSp>
+        <p:nvGrpSpPr>
+          <p:cNvPr id="3" name="Group 2">
+            <a:extLst>
+              <a:ext uri="{FF2B5EF4-FFF2-40B4-BE49-F238E27FC236}">
+                <a16:creationId xmlns:a16="http://schemas.microsoft.com/office/drawing/2014/main" id="{E6731DE6-F159-E142-D5A6-5892F67E90E3}"/>
+              </a:ext>
+            </a:extLst>
+          </p:cNvPr>
+          <p:cNvGrpSpPr/>
+          <p:nvPr/>
+        </p:nvGrpSpPr>
+        <p:grpSpPr>
+          <a:xfrm>
+            <a:off x="6732607" y="3642829"/>
+            <a:ext cx="2344269" cy="2529955"/>
+            <a:chOff x="6732607" y="3642829"/>
+            <a:chExt cx="2344269" cy="2529955"/>
+          </a:xfrm>
+        </p:grpSpPr>
+        <p:sp>
+          <p:nvSpPr>
+            <p:cNvPr id="90" name="Isosceles Triangle 89">
+              <a:extLst>
+                <a:ext uri="{FF2B5EF4-FFF2-40B4-BE49-F238E27FC236}">
+                  <a16:creationId xmlns:a16="http://schemas.microsoft.com/office/drawing/2014/main" id="{1C2C998F-1696-947C-DDF2-277810330C0E}"/>
+                </a:ext>
+              </a:extLst>
+            </p:cNvPr>
+            <p:cNvSpPr/>
+            <p:nvPr/>
+          </p:nvSpPr>
+          <p:spPr>
+            <a:xfrm>
+              <a:off x="7699616" y="4496079"/>
+              <a:ext cx="495591" cy="542125"/>
+            </a:xfrm>
+            <a:prstGeom prst="triangle">
+              <a:avLst/>
+            </a:prstGeom>
+          </p:spPr>
+          <p:style>
+            <a:lnRef idx="2">
+              <a:schemeClr val="dk1">
+                <a:shade val="50000"/>
+              </a:schemeClr>
+            </a:lnRef>
+            <a:fillRef idx="1">
+              <a:schemeClr val="dk1"/>
+            </a:fillRef>
+            <a:effectRef idx="0">
+              <a:schemeClr val="dk1"/>
+            </a:effectRef>
+            <a:fontRef idx="minor">
+              <a:schemeClr val="lt1"/>
+            </a:fontRef>
+          </p:style>
+          <p:txBody>
+            <a:bodyPr rtlCol="0" anchor="ctr"/>
+            <a:lstStyle/>
+            <a:p>
+              <a:pPr algn="ctr"/>
+              <a:endParaRPr lang="en-US"/>
+            </a:p>
+          </p:txBody>
+        </p:sp>
+        <p:grpSp>
+          <p:nvGrpSpPr>
+            <p:cNvPr id="97" name="Group 96">
+              <a:extLst>
+                <a:ext uri="{FF2B5EF4-FFF2-40B4-BE49-F238E27FC236}">
+                  <a16:creationId xmlns:a16="http://schemas.microsoft.com/office/drawing/2014/main" id="{0D820333-382B-248A-80DC-704730A363C9}"/>
+                </a:ext>
+              </a:extLst>
+            </p:cNvPr>
+            <p:cNvGrpSpPr/>
+            <p:nvPr/>
+          </p:nvGrpSpPr>
+          <p:grpSpPr>
+            <a:xfrm rot="10800000">
+              <a:off x="6732607" y="3642829"/>
+              <a:ext cx="2344269" cy="2529955"/>
+              <a:chOff x="3412536" y="4111486"/>
+              <a:chExt cx="2344269" cy="2529955"/>
+            </a:xfrm>
+          </p:grpSpPr>
+          <p:sp>
+            <p:nvSpPr>
+              <p:cNvPr id="98" name="Isosceles Triangle 97">
+                <a:extLst>
+                  <a:ext uri="{FF2B5EF4-FFF2-40B4-BE49-F238E27FC236}">
+                    <a16:creationId xmlns:a16="http://schemas.microsoft.com/office/drawing/2014/main" id="{C1719794-8529-FC11-7A85-B88F5133551E}"/>
+                  </a:ext>
+                </a:extLst>
+              </p:cNvPr>
+              <p:cNvSpPr/>
+              <p:nvPr/>
+            </p:nvSpPr>
+            <p:spPr>
+              <a:xfrm>
+                <a:off x="3412536" y="4111489"/>
+                <a:ext cx="495591" cy="542125"/>
+              </a:xfrm>
+              <a:prstGeom prst="triangle">
+                <a:avLst/>
+              </a:prstGeom>
+              <a:solidFill>
+                <a:schemeClr val="bg1"/>
+              </a:solidFill>
+              <a:ln>
+                <a:solidFill>
+                  <a:schemeClr val="bg1"/>
+                </a:solidFill>
+              </a:ln>
+            </p:spPr>
+            <p:style>
+              <a:lnRef idx="2">
+                <a:schemeClr val="dk1">
+                  <a:shade val="50000"/>
+                </a:schemeClr>
+              </a:lnRef>
+              <a:fillRef idx="1">
+                <a:schemeClr val="dk1"/>
+              </a:fillRef>
+              <a:effectRef idx="0">
+                <a:schemeClr val="dk1"/>
+              </a:effectRef>
+              <a:fontRef idx="minor">
+                <a:schemeClr val="lt1"/>
+              </a:fontRef>
+            </p:style>
+            <p:txBody>
+              <a:bodyPr rtlCol="0" anchor="ctr"/>
+              <a:lstStyle/>
+              <a:p>
+                <a:pPr algn="ctr"/>
+                <a:endParaRPr lang="en-US"/>
+              </a:p>
+            </p:txBody>
+          </p:sp>
+          <p:sp>
+            <p:nvSpPr>
+              <p:cNvPr id="99" name="Isosceles Triangle 98">
+                <a:extLst>
+                  <a:ext uri="{FF2B5EF4-FFF2-40B4-BE49-F238E27FC236}">
+                    <a16:creationId xmlns:a16="http://schemas.microsoft.com/office/drawing/2014/main" id="{97A24A9F-97E7-1E44-4D2B-BC436B1246CF}"/>
+                  </a:ext>
+                </a:extLst>
+              </p:cNvPr>
+              <p:cNvSpPr/>
+              <p:nvPr/>
+            </p:nvSpPr>
+            <p:spPr>
+              <a:xfrm>
+                <a:off x="5261214" y="4111486"/>
+                <a:ext cx="495591" cy="542125"/>
+              </a:xfrm>
+              <a:prstGeom prst="triangle">
+                <a:avLst/>
+              </a:prstGeom>
+              <a:solidFill>
+                <a:schemeClr val="bg1"/>
+              </a:solidFill>
+              <a:ln>
+                <a:solidFill>
+                  <a:schemeClr val="bg1"/>
+                </a:solidFill>
+              </a:ln>
+            </p:spPr>
+            <p:style>
+              <a:lnRef idx="2">
+                <a:schemeClr val="dk1">
+                  <a:shade val="50000"/>
+                </a:schemeClr>
+              </a:lnRef>
+              <a:fillRef idx="1">
+                <a:schemeClr val="dk1"/>
+              </a:fillRef>
+              <a:effectRef idx="0">
+                <a:schemeClr val="dk1"/>
+              </a:effectRef>
+              <a:fontRef idx="minor">
+                <a:schemeClr val="lt1"/>
+              </a:fontRef>
+            </p:style>
+            <p:txBody>
+              <a:bodyPr rtlCol="0" anchor="ctr"/>
+              <a:lstStyle/>
+              <a:p>
+                <a:pPr algn="ctr"/>
+                <a:endParaRPr lang="en-US"/>
+              </a:p>
+            </p:txBody>
+          </p:sp>
+          <p:sp>
+            <p:nvSpPr>
+              <p:cNvPr id="100" name="Isosceles Triangle 99">
+                <a:extLst>
+                  <a:ext uri="{FF2B5EF4-FFF2-40B4-BE49-F238E27FC236}">
+                    <a16:creationId xmlns:a16="http://schemas.microsoft.com/office/drawing/2014/main" id="{F6C82D47-E1C9-C096-78B7-A9E6815D0C2E}"/>
+                  </a:ext>
+                </a:extLst>
+              </p:cNvPr>
+              <p:cNvSpPr/>
+              <p:nvPr/>
+            </p:nvSpPr>
+            <p:spPr>
+              <a:xfrm>
+                <a:off x="3412536" y="6099316"/>
+                <a:ext cx="495591" cy="542125"/>
+              </a:xfrm>
+              <a:prstGeom prst="triangle">
+                <a:avLst/>
+              </a:prstGeom>
+              <a:solidFill>
+                <a:schemeClr val="bg1"/>
+              </a:solidFill>
+              <a:ln>
+                <a:solidFill>
+                  <a:schemeClr val="bg1"/>
+                </a:solidFill>
+              </a:ln>
+            </p:spPr>
+            <p:style>
+              <a:lnRef idx="2">
+                <a:schemeClr val="dk1">
+                  <a:shade val="50000"/>
+                </a:schemeClr>
+              </a:lnRef>
+              <a:fillRef idx="1">
+                <a:schemeClr val="dk1"/>
+              </a:fillRef>
+              <a:effectRef idx="0">
+                <a:schemeClr val="dk1"/>
+              </a:effectRef>
+              <a:fontRef idx="minor">
+                <a:schemeClr val="lt1"/>
+              </a:fontRef>
+            </p:style>
+            <p:txBody>
+              <a:bodyPr rtlCol="0" anchor="ctr"/>
+              <a:lstStyle/>
+              <a:p>
+                <a:pPr algn="ctr"/>
+                <a:endParaRPr lang="en-US"/>
+              </a:p>
+            </p:txBody>
+          </p:sp>
+          <p:sp>
+            <p:nvSpPr>
+              <p:cNvPr id="101" name="Isosceles Triangle 100">
+                <a:extLst>
+                  <a:ext uri="{FF2B5EF4-FFF2-40B4-BE49-F238E27FC236}">
+                    <a16:creationId xmlns:a16="http://schemas.microsoft.com/office/drawing/2014/main" id="{DF0CEEB1-442A-D117-7AB3-FFF30542DD04}"/>
+                  </a:ext>
+                </a:extLst>
+              </p:cNvPr>
+              <p:cNvSpPr/>
+              <p:nvPr/>
+            </p:nvSpPr>
+            <p:spPr>
+              <a:xfrm>
+                <a:off x="5261214" y="6099313"/>
+                <a:ext cx="495591" cy="542125"/>
+              </a:xfrm>
+              <a:prstGeom prst="triangle">
+                <a:avLst/>
+              </a:prstGeom>
+              <a:solidFill>
+                <a:schemeClr val="bg1"/>
+              </a:solidFill>
+              <a:ln>
+                <a:solidFill>
+                  <a:schemeClr val="bg1"/>
+                </a:solidFill>
+              </a:ln>
+            </p:spPr>
+            <p:style>
+              <a:lnRef idx="2">
+                <a:schemeClr val="dk1">
+                  <a:shade val="50000"/>
+                </a:schemeClr>
+              </a:lnRef>
+              <a:fillRef idx="1">
+                <a:schemeClr val="dk1"/>
+              </a:fillRef>
+              <a:effectRef idx="0">
+                <a:schemeClr val="dk1"/>
+              </a:effectRef>
+              <a:fontRef idx="minor">
+                <a:schemeClr val="lt1"/>
+              </a:fontRef>
+            </p:style>
+            <p:txBody>
+              <a:bodyPr rtlCol="0" anchor="ctr"/>
+              <a:lstStyle/>
+              <a:p>
+                <a:pPr algn="ctr"/>
+                <a:endParaRPr lang="en-US" dirty="0"/>
+              </a:p>
+            </p:txBody>
+          </p:sp>
+        </p:grpSp>
+      </p:grpSp>
+    </p:spTree>
+    <p:extLst>
+      <p:ext uri="{BB962C8B-B14F-4D97-AF65-F5344CB8AC3E}">
+        <p14:creationId xmlns:p14="http://schemas.microsoft.com/office/powerpoint/2010/main" val="1413364589"/>
+      </p:ext>
+    </p:extLst>
+  </p:cSld>
+  <p:clrMapOvr>
+    <a:masterClrMapping/>
+  </p:clrMapOvr>
+</p:sld>
+</file>
+
 <file path=ppt/theme/theme1.xml><?xml version="1.0" encoding="utf-8"?>
 <a:theme xmlns:a="http://schemas.openxmlformats.org/drawingml/2006/main" name="Office Theme">
   <a:themeElements>
